--- a/Klasifikácia zdravia ľudského plodu na základe údajov CTG.pptx
+++ b/Klasifikácia zdravia ľudského plodu na základe údajov CTG.pptx
@@ -11,8 +11,12 @@
     <p:sldId id="260" r:id="rId5"/>
     <p:sldId id="262" r:id="rId6"/>
     <p:sldId id="261" r:id="rId7"/>
-    <p:sldId id="263" r:id="rId8"/>
-    <p:sldId id="258" r:id="rId9"/>
+    <p:sldId id="267" r:id="rId8"/>
+    <p:sldId id="263" r:id="rId9"/>
+    <p:sldId id="266" r:id="rId10"/>
+    <p:sldId id="264" r:id="rId11"/>
+    <p:sldId id="265" r:id="rId12"/>
+    <p:sldId id="258" r:id="rId13"/>
   </p:sldIdLst>
   <p:sldSz cx="12192000" cy="6858000"/>
   <p:notesSz cx="6858000" cy="9144000"/>
@@ -282,7 +286,7 @@
           <a:p>
             <a:fld id="{1160EA64-D806-43AC-9DF2-F8C432F32B4C}" type="datetimeFigureOut">
               <a:rPr lang="en-US" dirty="0"/>
-              <a:t>5/2/2021</a:t>
+              <a:t>5/4/2021</a:t>
             </a:fld>
             <a:endParaRPr lang="en-US" dirty="0"/>
           </a:p>
@@ -448,7 +452,7 @@
           <a:p>
             <a:fld id="{E9F9C37B-1D36-470B-8223-D6C91242EC14}" type="datetimeFigureOut">
               <a:rPr lang="en-US" dirty="0"/>
-              <a:t>5/2/2021</a:t>
+              <a:t>5/4/2021</a:t>
             </a:fld>
             <a:endParaRPr lang="en-US" dirty="0"/>
           </a:p>
@@ -623,7 +627,7 @@
           <a:p>
             <a:fld id="{67C6F52A-A82B-47A2-A83A-8C4C91F2D59F}" type="datetimeFigureOut">
               <a:rPr lang="en-US" dirty="0"/>
-              <a:t>5/2/2021</a:t>
+              <a:t>5/4/2021</a:t>
             </a:fld>
             <a:endParaRPr lang="en-US" dirty="0"/>
           </a:p>
@@ -788,7 +792,7 @@
           <a:p>
             <a:fld id="{F070A7B3-6521-4DCA-87E5-044747A908C1}" type="datetimeFigureOut">
               <a:rPr lang="en-US" dirty="0"/>
-              <a:t>5/2/2021</a:t>
+              <a:t>5/4/2021</a:t>
             </a:fld>
             <a:endParaRPr lang="en-US" dirty="0"/>
           </a:p>
@@ -1052,7 +1056,7 @@
           <a:p>
             <a:fld id="{1160EA64-D806-43AC-9DF2-F8C432F32B4C}" type="datetimeFigureOut">
               <a:rPr lang="en-US" dirty="0"/>
-              <a:t>5/2/2021</a:t>
+              <a:t>5/4/2021</a:t>
             </a:fld>
             <a:endParaRPr lang="en-US" dirty="0"/>
           </a:p>
@@ -1280,7 +1284,7 @@
           <a:p>
             <a:fld id="{AB134690-1557-4C89-A502-4959FE7FAD70}" type="datetimeFigureOut">
               <a:rPr lang="en-US" dirty="0"/>
-              <a:t>5/2/2021</a:t>
+              <a:t>5/4/2021</a:t>
             </a:fld>
             <a:endParaRPr lang="en-US" dirty="0"/>
           </a:p>
@@ -1630,7 +1634,7 @@
           <a:p>
             <a:fld id="{4F7D4976-E339-4826-83B7-FBD03F55ECF8}" type="datetimeFigureOut">
               <a:rPr lang="en-US" dirty="0"/>
-              <a:t>5/2/2021</a:t>
+              <a:t>5/4/2021</a:t>
             </a:fld>
             <a:endParaRPr lang="en-US" dirty="0"/>
           </a:p>
@@ -1766,7 +1770,7 @@
           <a:p>
             <a:fld id="{E1037C31-9E7A-4F99-8774-A0E530DE1A42}" type="datetimeFigureOut">
               <a:rPr lang="en-US" dirty="0"/>
-              <a:t>5/2/2021</a:t>
+              <a:t>5/4/2021</a:t>
             </a:fld>
             <a:endParaRPr lang="en-US" dirty="0"/>
           </a:p>
@@ -1856,7 +1860,7 @@
           <a:p>
             <a:fld id="{C278504F-A551-4DE0-9316-4DCD1D8CC752}" type="datetimeFigureOut">
               <a:rPr lang="en-US" dirty="0"/>
-              <a:t>5/2/2021</a:t>
+              <a:t>5/4/2021</a:t>
             </a:fld>
             <a:endParaRPr lang="en-US" dirty="0"/>
           </a:p>
@@ -2208,7 +2212,7 @@
           <a:p>
             <a:fld id="{1160EA64-D806-43AC-9DF2-F8C432F32B4C}" type="datetimeFigureOut">
               <a:rPr lang="en-US" dirty="0"/>
-              <a:t>5/2/2021</a:t>
+              <a:t>5/4/2021</a:t>
             </a:fld>
             <a:endParaRPr lang="en-US" dirty="0"/>
           </a:p>
@@ -2561,7 +2565,7 @@
             <a:fld id="{1160EA64-D806-43AC-9DF2-F8C432F32B4C}" type="datetimeFigureOut">
               <a:rPr lang="en-US" dirty="0"/>
               <a:pPr/>
-              <a:t>5/2/2021</a:t>
+              <a:t>5/4/2021</a:t>
             </a:fld>
             <a:endParaRPr lang="en-US" dirty="0"/>
           </a:p>
@@ -2797,7 +2801,7 @@
           <a:p>
             <a:fld id="{1160EA64-D806-43AC-9DF2-F8C432F32B4C}" type="datetimeFigureOut">
               <a:rPr lang="en-US" dirty="0"/>
-              <a:t>5/2/2021</a:t>
+              <a:t>5/4/2021</a:t>
             </a:fld>
             <a:endParaRPr lang="en-US" dirty="0"/>
           </a:p>
@@ -3496,6 +3500,490 @@
 </p:sld>
 </file>
 
+<file path=ppt/slides/slide10.xml><?xml version="1.0" encoding="utf-8"?>
+<p:sld xmlns:a="http://schemas.openxmlformats.org/drawingml/2006/main" xmlns:r="http://schemas.openxmlformats.org/officeDocument/2006/relationships" xmlns:p="http://schemas.openxmlformats.org/presentationml/2006/main">
+  <p:cSld>
+    <p:bg>
+      <p:bgPr>
+        <a:solidFill>
+          <a:schemeClr val="accent2"/>
+        </a:solidFill>
+        <a:effectLst/>
+      </p:bgPr>
+    </p:bg>
+    <p:spTree>
+      <p:nvGrpSpPr>
+        <p:cNvPr id="1" name=""/>
+        <p:cNvGrpSpPr/>
+        <p:nvPr/>
+      </p:nvGrpSpPr>
+      <p:grpSpPr>
+        <a:xfrm>
+          <a:off x="0" y="0"/>
+          <a:ext cx="0" cy="0"/>
+          <a:chOff x="0" y="0"/>
+          <a:chExt cx="0" cy="0"/>
+        </a:xfrm>
+      </p:grpSpPr>
+      <p:sp>
+        <p:nvSpPr>
+          <p:cNvPr id="2" name="Nadpis 1">
+            <a:extLst>
+              <a:ext uri="{FF2B5EF4-FFF2-40B4-BE49-F238E27FC236}">
+                <a16:creationId xmlns:a16="http://schemas.microsoft.com/office/drawing/2014/main" id="{7A3D77A8-C7B2-44E1-96F8-24E644374F98}"/>
+              </a:ext>
+            </a:extLst>
+          </p:cNvPr>
+          <p:cNvSpPr>
+            <a:spLocks noGrp="1"/>
+          </p:cNvSpPr>
+          <p:nvPr>
+            <p:ph type="title"/>
+          </p:nvPr>
+        </p:nvSpPr>
+        <p:spPr>
+          <a:xfrm>
+            <a:off x="804672" y="2404872"/>
+            <a:ext cx="3044950" cy="1627792"/>
+          </a:xfrm>
+        </p:spPr>
+        <p:txBody>
+          <a:bodyPr vert="horz" lIns="274320" tIns="182880" rIns="274320" bIns="182880" rtlCol="0" anchor="ctr" anchorCtr="1">
+            <a:normAutofit/>
+          </a:bodyPr>
+          <a:lstStyle/>
+          <a:p>
+            <a:r>
+              <a:rPr lang="en-US" sz="2600">
+                <a:solidFill>
+                  <a:srgbClr val="262626"/>
+                </a:solidFill>
+              </a:rPr>
+              <a:t>Testovanie neurónovej siete</a:t>
+            </a:r>
+          </a:p>
+        </p:txBody>
+      </p:sp>
+      <p:sp>
+        <p:nvSpPr>
+          <p:cNvPr id="135" name="Rectangle 134">
+            <a:extLst>
+              <a:ext uri="{FF2B5EF4-FFF2-40B4-BE49-F238E27FC236}">
+                <a16:creationId xmlns:a16="http://schemas.microsoft.com/office/drawing/2014/main" id="{ED6F0A31-5407-4EFA-9DFA-67E942682962}"/>
+              </a:ext>
+              <a:ext uri="{C183D7F6-B498-43B3-948B-1728B52AA6E4}">
+                <adec:decorative xmlns:adec="http://schemas.microsoft.com/office/drawing/2017/decorative" val="1"/>
+              </a:ext>
+            </a:extLst>
+          </p:cNvPr>
+          <p:cNvSpPr>
+            <a:spLocks noGrp="1" noRot="1" noChangeAspect="1" noMove="1" noResize="1" noEditPoints="1" noAdjustHandles="1" noChangeArrowheads="1" noChangeShapeType="1" noTextEdit="1"/>
+          </p:cNvSpPr>
+          <p:nvPr>
+            <p:extLst>
+              <p:ext uri="{386F3935-93C4-4BCD-93E2-E3B085C9AB24}">
+                <p16:designElem xmlns:p16="http://schemas.microsoft.com/office/powerpoint/2015/main" val="1"/>
+              </p:ext>
+            </p:extLst>
+          </p:nvPr>
+        </p:nvSpPr>
+        <p:spPr>
+          <a:xfrm>
+            <a:off x="4654296" y="0"/>
+            <a:ext cx="7537703" cy="6858000"/>
+          </a:xfrm>
+          <a:prstGeom prst="rect">
+            <a:avLst/>
+          </a:prstGeom>
+          <a:solidFill>
+            <a:srgbClr val="FFFFFF"/>
+          </a:solidFill>
+          <a:ln>
+            <a:noFill/>
+          </a:ln>
+        </p:spPr>
+        <p:style>
+          <a:lnRef idx="2">
+            <a:schemeClr val="accent1">
+              <a:shade val="50000"/>
+            </a:schemeClr>
+          </a:lnRef>
+          <a:fillRef idx="1">
+            <a:schemeClr val="accent1"/>
+          </a:fillRef>
+          <a:effectRef idx="0">
+            <a:schemeClr val="accent1"/>
+          </a:effectRef>
+          <a:fontRef idx="minor">
+            <a:schemeClr val="lt1"/>
+          </a:fontRef>
+        </p:style>
+        <p:txBody>
+          <a:bodyPr rtlCol="0" anchor="ctr"/>
+          <a:lstStyle/>
+          <a:p>
+            <a:pPr algn="ctr"/>
+            <a:endParaRPr lang="en-US"/>
+          </a:p>
+        </p:txBody>
+      </p:sp>
+      <p:pic>
+        <p:nvPicPr>
+          <p:cNvPr id="2050" name="Picture 2">
+            <a:extLst>
+              <a:ext uri="{FF2B5EF4-FFF2-40B4-BE49-F238E27FC236}">
+                <a16:creationId xmlns:a16="http://schemas.microsoft.com/office/drawing/2014/main" id="{2F0DEAF7-D253-400C-91EB-744414F0DBE2}"/>
+              </a:ext>
+            </a:extLst>
+          </p:cNvPr>
+          <p:cNvPicPr>
+            <a:picLocks noChangeAspect="1" noChangeArrowheads="1"/>
+          </p:cNvPicPr>
+          <p:nvPr/>
+        </p:nvPicPr>
+        <p:blipFill>
+          <a:blip r:embed="rId2">
+            <a:extLst>
+              <a:ext uri="{28A0092B-C50C-407E-A947-70E740481C1C}">
+                <a14:useLocalDpi xmlns:a14="http://schemas.microsoft.com/office/drawing/2010/main" val="0"/>
+              </a:ext>
+            </a:extLst>
+          </a:blip>
+          <a:stretch>
+            <a:fillRect/>
+          </a:stretch>
+        </p:blipFill>
+        <p:spPr bwMode="auto">
+          <a:xfrm>
+            <a:off x="5415643" y="640080"/>
+            <a:ext cx="6015010" cy="5263134"/>
+          </a:xfrm>
+          <a:prstGeom prst="rect">
+            <a:avLst/>
+          </a:prstGeom>
+          <a:noFill/>
+          <a:extLst>
+            <a:ext uri="{909E8E84-426E-40DD-AFC4-6F175D3DCCD1}">
+              <a14:hiddenFill xmlns:a14="http://schemas.microsoft.com/office/drawing/2010/main">
+                <a:solidFill>
+                  <a:srgbClr val="FFFFFF"/>
+                </a:solidFill>
+              </a14:hiddenFill>
+            </a:ext>
+          </a:extLst>
+        </p:spPr>
+      </p:pic>
+    </p:spTree>
+    <p:extLst>
+      <p:ext uri="{BB962C8B-B14F-4D97-AF65-F5344CB8AC3E}">
+        <p14:creationId xmlns:p14="http://schemas.microsoft.com/office/powerpoint/2010/main" val="2367603164"/>
+      </p:ext>
+    </p:extLst>
+  </p:cSld>
+  <p:clrMapOvr>
+    <a:masterClrMapping/>
+  </p:clrMapOvr>
+</p:sld>
+</file>
+
+<file path=ppt/slides/slide11.xml><?xml version="1.0" encoding="utf-8"?>
+<p:sld xmlns:a="http://schemas.openxmlformats.org/drawingml/2006/main" xmlns:r="http://schemas.openxmlformats.org/officeDocument/2006/relationships" xmlns:p="http://schemas.openxmlformats.org/presentationml/2006/main">
+  <p:cSld>
+    <p:bg>
+      <p:bgPr>
+        <a:solidFill>
+          <a:schemeClr val="accent2">
+            <a:lumMod val="20000"/>
+            <a:lumOff val="80000"/>
+          </a:schemeClr>
+        </a:solidFill>
+        <a:effectLst/>
+      </p:bgPr>
+    </p:bg>
+    <p:spTree>
+      <p:nvGrpSpPr>
+        <p:cNvPr id="1" name=""/>
+        <p:cNvGrpSpPr/>
+        <p:nvPr/>
+      </p:nvGrpSpPr>
+      <p:grpSpPr>
+        <a:xfrm>
+          <a:off x="0" y="0"/>
+          <a:ext cx="0" cy="0"/>
+          <a:chOff x="0" y="0"/>
+          <a:chExt cx="0" cy="0"/>
+        </a:xfrm>
+      </p:grpSpPr>
+      <p:sp>
+        <p:nvSpPr>
+          <p:cNvPr id="2" name="Nadpis 1">
+            <a:extLst>
+              <a:ext uri="{FF2B5EF4-FFF2-40B4-BE49-F238E27FC236}">
+                <a16:creationId xmlns:a16="http://schemas.microsoft.com/office/drawing/2014/main" id="{7A3D77A8-C7B2-44E1-96F8-24E644374F98}"/>
+              </a:ext>
+            </a:extLst>
+          </p:cNvPr>
+          <p:cNvSpPr>
+            <a:spLocks noGrp="1"/>
+          </p:cNvSpPr>
+          <p:nvPr>
+            <p:ph type="title"/>
+          </p:nvPr>
+        </p:nvSpPr>
+        <p:spPr>
+          <a:xfrm>
+            <a:off x="627355" y="297402"/>
+            <a:ext cx="10937290" cy="786251"/>
+          </a:xfrm>
+          <a:solidFill>
+            <a:srgbClr val="FFFFFF"/>
+          </a:solidFill>
+          <a:ln w="38100" cap="sq">
+            <a:solidFill>
+              <a:srgbClr val="404040"/>
+            </a:solidFill>
+            <a:miter lim="800000"/>
+          </a:ln>
+        </p:spPr>
+        <p:txBody>
+          <a:bodyPr vert="horz" lIns="274320" tIns="182880" rIns="274320" bIns="182880" rtlCol="0" anchor="ctr" anchorCtr="1">
+            <a:normAutofit/>
+          </a:bodyPr>
+          <a:lstStyle/>
+          <a:p>
+            <a:r>
+              <a:rPr lang="sk-SK" dirty="0">
+                <a:solidFill>
+                  <a:srgbClr val="262626"/>
+                </a:solidFill>
+                <a:latin typeface="+mj-lt"/>
+                <a:ea typeface="+mj-ea"/>
+                <a:cs typeface="+mj-cs"/>
+              </a:rPr>
+              <a:t>Zdroje</a:t>
+            </a:r>
+          </a:p>
+        </p:txBody>
+      </p:sp>
+      <p:sp>
+        <p:nvSpPr>
+          <p:cNvPr id="3" name="Zástupný objekt pre obsah 2">
+            <a:extLst>
+              <a:ext uri="{FF2B5EF4-FFF2-40B4-BE49-F238E27FC236}">
+                <a16:creationId xmlns:a16="http://schemas.microsoft.com/office/drawing/2014/main" id="{D9A58B30-15A1-4609-A08D-5A18ACD717CD}"/>
+              </a:ext>
+            </a:extLst>
+          </p:cNvPr>
+          <p:cNvSpPr>
+            <a:spLocks noGrp="1"/>
+          </p:cNvSpPr>
+          <p:nvPr>
+            <p:ph idx="1"/>
+          </p:nvPr>
+        </p:nvSpPr>
+        <p:spPr>
+          <a:xfrm>
+            <a:off x="627355" y="1464817"/>
+            <a:ext cx="10937290" cy="5095782"/>
+          </a:xfrm>
+        </p:spPr>
+        <p:txBody>
+          <a:bodyPr>
+            <a:normAutofit/>
+          </a:bodyPr>
+          <a:lstStyle/>
+          <a:p>
+            <a:pPr>
+              <a:lnSpc>
+                <a:spcPct val="150000"/>
+              </a:lnSpc>
+            </a:pPr>
+            <a:r>
+              <a:rPr lang="sk-SK" sz="2200" dirty="0"/>
+              <a:t>https://www.kaggle.com/andrewmvd/fetal-health-classification</a:t>
+            </a:r>
+          </a:p>
+          <a:p>
+            <a:pPr>
+              <a:lnSpc>
+                <a:spcPct val="150000"/>
+              </a:lnSpc>
+            </a:pPr>
+            <a:r>
+              <a:rPr lang="sk-SK" sz="2200" dirty="0"/>
+              <a:t>https://www.ncbi.nlm.nih.gov/pmc/articles/PMC6822315/</a:t>
+            </a:r>
+          </a:p>
+          <a:p>
+            <a:pPr>
+              <a:lnSpc>
+                <a:spcPct val="150000"/>
+              </a:lnSpc>
+            </a:pPr>
+            <a:r>
+              <a:rPr lang="sk-SK" sz="2200" dirty="0"/>
+              <a:t>https://scikit-learn.org/stable/modules/generated/sklearn.preprocessing.StandardScaler.html</a:t>
+            </a:r>
+          </a:p>
+          <a:p>
+            <a:pPr>
+              <a:lnSpc>
+                <a:spcPct val="150000"/>
+              </a:lnSpc>
+            </a:pPr>
+            <a:r>
+              <a:rPr lang="sk-SK" sz="2200" dirty="0"/>
+              <a:t>https://keras.io/</a:t>
+            </a:r>
+          </a:p>
+          <a:p>
+            <a:pPr>
+              <a:lnSpc>
+                <a:spcPct val="150000"/>
+              </a:lnSpc>
+            </a:pPr>
+            <a:r>
+              <a:rPr lang="sk-SK" sz="2200" dirty="0"/>
+              <a:t>https://www.tensorflow.org/api_docs/python/tf/keras/activations/softmax</a:t>
+            </a:r>
+          </a:p>
+          <a:p>
+            <a:pPr>
+              <a:lnSpc>
+                <a:spcPct val="150000"/>
+              </a:lnSpc>
+            </a:pPr>
+            <a:r>
+              <a:rPr lang="sk-SK" sz="2200" dirty="0"/>
+              <a:t>https://machinelearningmastery.com/adam-optimization-algorithm-for-deep-learning/</a:t>
+            </a:r>
+          </a:p>
+          <a:p>
+            <a:pPr>
+              <a:lnSpc>
+                <a:spcPct val="150000"/>
+              </a:lnSpc>
+            </a:pPr>
+            <a:r>
+              <a:rPr lang="sk-SK" sz="2200" dirty="0"/>
+              <a:t>https://deeplizard.com/images/png/deep%20neural%20network%20with%204%20layers.png</a:t>
+            </a:r>
+          </a:p>
+          <a:p>
+            <a:pPr>
+              <a:lnSpc>
+                <a:spcPct val="150000"/>
+              </a:lnSpc>
+            </a:pPr>
+            <a:endParaRPr lang="sk-SK" sz="2200" dirty="0"/>
+          </a:p>
+        </p:txBody>
+      </p:sp>
+    </p:spTree>
+    <p:extLst>
+      <p:ext uri="{BB962C8B-B14F-4D97-AF65-F5344CB8AC3E}">
+        <p14:creationId xmlns:p14="http://schemas.microsoft.com/office/powerpoint/2010/main" val="407125454"/>
+      </p:ext>
+    </p:extLst>
+  </p:cSld>
+  <p:clrMapOvr>
+    <a:masterClrMapping/>
+  </p:clrMapOvr>
+</p:sld>
+</file>
+
+<file path=ppt/slides/slide12.xml><?xml version="1.0" encoding="utf-8"?>
+<p:sld xmlns:a="http://schemas.openxmlformats.org/drawingml/2006/main" xmlns:r="http://schemas.openxmlformats.org/officeDocument/2006/relationships" xmlns:p="http://schemas.openxmlformats.org/presentationml/2006/main">
+  <p:cSld>
+    <p:bg>
+      <p:bgPr>
+        <a:solidFill>
+          <a:schemeClr val="accent2">
+            <a:lumMod val="20000"/>
+            <a:lumOff val="80000"/>
+          </a:schemeClr>
+        </a:solidFill>
+        <a:effectLst/>
+      </p:bgPr>
+    </p:bg>
+    <p:spTree>
+      <p:nvGrpSpPr>
+        <p:cNvPr id="1" name=""/>
+        <p:cNvGrpSpPr/>
+        <p:nvPr/>
+      </p:nvGrpSpPr>
+      <p:grpSpPr>
+        <a:xfrm>
+          <a:off x="0" y="0"/>
+          <a:ext cx="0" cy="0"/>
+          <a:chOff x="0" y="0"/>
+          <a:chExt cx="0" cy="0"/>
+        </a:xfrm>
+      </p:grpSpPr>
+      <p:sp>
+        <p:nvSpPr>
+          <p:cNvPr id="2" name="Nadpis 1">
+            <a:extLst>
+              <a:ext uri="{FF2B5EF4-FFF2-40B4-BE49-F238E27FC236}">
+                <a16:creationId xmlns:a16="http://schemas.microsoft.com/office/drawing/2014/main" id="{7A3D77A8-C7B2-44E1-96F8-24E644374F98}"/>
+              </a:ext>
+            </a:extLst>
+          </p:cNvPr>
+          <p:cNvSpPr>
+            <a:spLocks noGrp="1"/>
+          </p:cNvSpPr>
+          <p:nvPr>
+            <p:ph type="title"/>
+          </p:nvPr>
+        </p:nvSpPr>
+        <p:spPr>
+          <a:xfrm>
+            <a:off x="2160233" y="2885242"/>
+            <a:ext cx="7871534" cy="1087515"/>
+          </a:xfrm>
+          <a:solidFill>
+            <a:srgbClr val="FFFFFF"/>
+          </a:solidFill>
+          <a:ln w="38100" cap="sq">
+            <a:solidFill>
+              <a:srgbClr val="404040"/>
+            </a:solidFill>
+            <a:miter lim="800000"/>
+          </a:ln>
+        </p:spPr>
+        <p:txBody>
+          <a:bodyPr vert="horz" lIns="274320" tIns="182880" rIns="274320" bIns="182880" rtlCol="0" anchor="ctr" anchorCtr="1">
+            <a:normAutofit/>
+          </a:bodyPr>
+          <a:lstStyle/>
+          <a:p>
+            <a:r>
+              <a:rPr lang="sk-SK" dirty="0">
+                <a:solidFill>
+                  <a:srgbClr val="262626"/>
+                </a:solidFill>
+                <a:latin typeface="+mj-lt"/>
+                <a:ea typeface="+mj-ea"/>
+                <a:cs typeface="+mj-cs"/>
+              </a:rPr>
+              <a:t>Ďakujem za pozornosť</a:t>
+            </a:r>
+          </a:p>
+        </p:txBody>
+      </p:sp>
+    </p:spTree>
+    <p:extLst>
+      <p:ext uri="{BB962C8B-B14F-4D97-AF65-F5344CB8AC3E}">
+        <p14:creationId xmlns:p14="http://schemas.microsoft.com/office/powerpoint/2010/main" val="2385565088"/>
+      </p:ext>
+    </p:extLst>
+  </p:cSld>
+  <p:clrMapOvr>
+    <a:overrideClrMapping bg1="lt1" tx1="dk1" bg2="lt2" tx2="dk2" accent1="accent1" accent2="accent2" accent3="accent3" accent4="accent4" accent5="accent5" accent6="accent6" hlink="hlink" folHlink="folHlink"/>
+  </p:clrMapOvr>
+</p:sld>
+</file>
+
 <file path=ppt/slides/slide2.xml><?xml version="1.0" encoding="utf-8"?>
 <p:sld xmlns:a="http://schemas.openxmlformats.org/drawingml/2006/main" xmlns:r="http://schemas.openxmlformats.org/officeDocument/2006/relationships" xmlns:p="http://schemas.openxmlformats.org/presentationml/2006/main">
   <p:cSld>
@@ -4011,44 +4499,49 @@
       </p:sp>
       <p:pic>
         <p:nvPicPr>
-          <p:cNvPr id="5" name="Obrázok 4">
+          <p:cNvPr id="1026" name="Picture 2">
             <a:extLst>
               <a:ext uri="{FF2B5EF4-FFF2-40B4-BE49-F238E27FC236}">
-                <a16:creationId xmlns:a16="http://schemas.microsoft.com/office/drawing/2014/main" id="{4BDAA8D8-B120-4098-B5A2-EE93748813C7}"/>
+                <a16:creationId xmlns:a16="http://schemas.microsoft.com/office/drawing/2014/main" id="{9C22A076-39A0-4BC3-A500-D04D44BFBDC9}"/>
               </a:ext>
             </a:extLst>
           </p:cNvPr>
           <p:cNvPicPr>
-            <a:picLocks noChangeAspect="1"/>
+            <a:picLocks noChangeAspect="1" noChangeArrowheads="1"/>
           </p:cNvPicPr>
           <p:nvPr/>
         </p:nvPicPr>
         <p:blipFill>
-          <a:blip r:embed="rId2"/>
+          <a:blip r:embed="rId2">
+            <a:extLst>
+              <a:ext uri="{28A0092B-C50C-407E-A947-70E740481C1C}">
+                <a14:useLocalDpi xmlns:a14="http://schemas.microsoft.com/office/drawing/2010/main" val="0"/>
+              </a:ext>
+            </a:extLst>
+          </a:blip>
+          <a:srcRect/>
           <a:stretch>
             <a:fillRect/>
           </a:stretch>
         </p:blipFill>
-        <p:spPr>
+        <p:spPr bwMode="auto">
           <a:xfrm>
-            <a:off x="1190472" y="2290901"/>
-            <a:ext cx="9811055" cy="4269697"/>
+            <a:off x="833219" y="2129948"/>
+            <a:ext cx="10525562" cy="4546060"/>
           </a:xfrm>
           <a:prstGeom prst="rect">
             <a:avLst/>
           </a:prstGeom>
-          <a:ln w="12700">
-            <a:solidFill>
-              <a:schemeClr val="tx1"/>
-            </a:solidFill>
-          </a:ln>
-          <a:effectLst>
-            <a:outerShdw blurRad="50800" dist="38100" dir="2700000" algn="tl" rotWithShape="0">
-              <a:prstClr val="black">
-                <a:alpha val="40000"/>
-              </a:prstClr>
-            </a:outerShdw>
-          </a:effectLst>
+          <a:noFill/>
+          <a:extLst>
+            <a:ext uri="{909E8E84-426E-40DD-AFC4-6F175D3DCCD1}">
+              <a14:hiddenFill xmlns:a14="http://schemas.microsoft.com/office/drawing/2010/main">
+                <a:solidFill>
+                  <a:srgbClr val="FFFFFF"/>
+                </a:solidFill>
+              </a14:hiddenFill>
+            </a:ext>
+          </a:extLst>
         </p:spPr>
       </p:pic>
     </p:spTree>
@@ -4143,38 +4636,177 @@
           </a:p>
         </p:txBody>
       </p:sp>
-      <p:sp>
-        <p:nvSpPr>
-          <p:cNvPr id="3" name="Zástupný objekt pre obsah 2">
+      <p:pic>
+        <p:nvPicPr>
+          <p:cNvPr id="5" name="Obrázok 4">
             <a:extLst>
               <a:ext uri="{FF2B5EF4-FFF2-40B4-BE49-F238E27FC236}">
-                <a16:creationId xmlns:a16="http://schemas.microsoft.com/office/drawing/2014/main" id="{D9A58B30-15A1-4609-A08D-5A18ACD717CD}"/>
+                <a16:creationId xmlns:a16="http://schemas.microsoft.com/office/drawing/2014/main" id="{A67ADB90-4482-4F4A-95F5-8881890823B7}"/>
               </a:ext>
             </a:extLst>
           </p:cNvPr>
-          <p:cNvSpPr>
-            <a:spLocks noGrp="1"/>
-          </p:cNvSpPr>
-          <p:nvPr>
-            <p:ph idx="1"/>
-          </p:nvPr>
-        </p:nvSpPr>
+          <p:cNvPicPr>
+            <a:picLocks noChangeAspect="1"/>
+          </p:cNvPicPr>
+          <p:nvPr/>
+        </p:nvPicPr>
+        <p:blipFill>
+          <a:blip r:embed="rId2"/>
+          <a:stretch>
+            <a:fillRect/>
+          </a:stretch>
+        </p:blipFill>
         <p:spPr>
           <a:xfrm>
             <a:off x="627355" y="1464817"/>
-            <a:ext cx="10937290" cy="5095782"/>
+            <a:ext cx="5098742" cy="1944712"/>
           </a:xfrm>
+          <a:prstGeom prst="rect">
+            <a:avLst/>
+          </a:prstGeom>
+          <a:ln w="12700">
+            <a:solidFill>
+              <a:schemeClr val="tx1"/>
+            </a:solidFill>
+          </a:ln>
+          <a:effectLst>
+            <a:outerShdw blurRad="50800" dist="38100" dir="2700000" algn="tl" rotWithShape="0">
+              <a:prstClr val="black">
+                <a:alpha val="40000"/>
+              </a:prstClr>
+            </a:outerShdw>
+          </a:effectLst>
         </p:spPr>
-        <p:txBody>
-          <a:bodyPr>
-            <a:normAutofit/>
+      </p:pic>
+      <p:pic>
+        <p:nvPicPr>
+          <p:cNvPr id="7" name="Obrázok 6">
+            <a:extLst>
+              <a:ext uri="{FF2B5EF4-FFF2-40B4-BE49-F238E27FC236}">
+                <a16:creationId xmlns:a16="http://schemas.microsoft.com/office/drawing/2014/main" id="{D65A99E7-9865-4AA8-92FD-D98CF4CBEA1D}"/>
+              </a:ext>
+            </a:extLst>
+          </p:cNvPr>
+          <p:cNvPicPr>
+            <a:picLocks noChangeAspect="1"/>
+          </p:cNvPicPr>
+          <p:nvPr/>
+        </p:nvPicPr>
+        <p:blipFill>
+          <a:blip r:embed="rId3"/>
+          <a:stretch>
+            <a:fillRect/>
+          </a:stretch>
+        </p:blipFill>
+        <p:spPr>
+          <a:xfrm>
+            <a:off x="1695587" y="3790693"/>
+            <a:ext cx="2962275" cy="2047875"/>
+          </a:xfrm>
+          <a:prstGeom prst="rect">
+            <a:avLst/>
+          </a:prstGeom>
+          <a:ln w="12700">
+            <a:solidFill>
+              <a:schemeClr val="tx1"/>
+            </a:solidFill>
+          </a:ln>
+          <a:effectLst>
+            <a:outerShdw blurRad="50800" dist="38100" dir="2700000" algn="tl" rotWithShape="0">
+              <a:prstClr val="black">
+                <a:alpha val="40000"/>
+              </a:prstClr>
+            </a:outerShdw>
+          </a:effectLst>
+        </p:spPr>
+      </p:pic>
+      <p:pic>
+        <p:nvPicPr>
+          <p:cNvPr id="1028" name="Picture 4">
+            <a:extLst>
+              <a:ext uri="{FF2B5EF4-FFF2-40B4-BE49-F238E27FC236}">
+                <a16:creationId xmlns:a16="http://schemas.microsoft.com/office/drawing/2014/main" id="{379AC856-2D86-45E4-B456-F2FE3A74844A}"/>
+              </a:ext>
+            </a:extLst>
+          </p:cNvPr>
+          <p:cNvPicPr>
+            <a:picLocks noChangeAspect="1" noChangeArrowheads="1"/>
+          </p:cNvPicPr>
+          <p:nvPr/>
+        </p:nvPicPr>
+        <p:blipFill>
+          <a:blip r:embed="rId4">
+            <a:extLst>
+              <a:ext uri="{28A0092B-C50C-407E-A947-70E740481C1C}">
+                <a14:useLocalDpi xmlns:a14="http://schemas.microsoft.com/office/drawing/2010/main" val="0"/>
+              </a:ext>
+            </a:extLst>
+          </a:blip>
+          <a:srcRect/>
+          <a:stretch>
+            <a:fillRect/>
+          </a:stretch>
+        </p:blipFill>
+        <p:spPr bwMode="auto">
+          <a:xfrm>
+            <a:off x="6096000" y="1683798"/>
+            <a:ext cx="5715000" cy="4876800"/>
+          </a:xfrm>
+          <a:prstGeom prst="rect">
+            <a:avLst/>
+          </a:prstGeom>
+          <a:noFill/>
+          <a:extLst>
+            <a:ext uri="{909E8E84-426E-40DD-AFC4-6F175D3DCCD1}">
+              <a14:hiddenFill xmlns:a14="http://schemas.microsoft.com/office/drawing/2010/main">
+                <a:solidFill>
+                  <a:srgbClr val="FFFFFF"/>
+                </a:solidFill>
+              </a14:hiddenFill>
+            </a:ext>
+          </a:extLst>
+        </p:spPr>
+      </p:pic>
+      <p:sp>
+        <p:nvSpPr>
+          <p:cNvPr id="8" name="BlokTextu 7">
+            <a:extLst>
+              <a:ext uri="{FF2B5EF4-FFF2-40B4-BE49-F238E27FC236}">
+                <a16:creationId xmlns:a16="http://schemas.microsoft.com/office/drawing/2014/main" id="{402D9BC4-64DB-4789-9AB5-6DCFDD144102}"/>
+              </a:ext>
+            </a:extLst>
+          </p:cNvPr>
+          <p:cNvSpPr txBox="1"/>
+          <p:nvPr/>
+        </p:nvSpPr>
+        <p:spPr>
+          <a:xfrm>
+            <a:off x="1299960" y="6029405"/>
+            <a:ext cx="3753528" cy="646331"/>
+          </a:xfrm>
+          <a:prstGeom prst="rect">
+            <a:avLst/>
+          </a:prstGeom>
+          <a:noFill/>
+        </p:spPr>
+        <p:txBody>
+          <a:bodyPr wrap="none" rtlCol="0">
+            <a:spAutoFit/>
           </a:bodyPr>
           <a:lstStyle/>
           <a:p>
-            <a:endParaRPr lang="sk-SK" sz="3200" dirty="0">
-              <a:latin typeface="Calibri" panose="020F0502020204030204" pitchFamily="34" charset="0"/>
-              <a:cs typeface="Calibri" panose="020F0502020204030204" pitchFamily="34" charset="0"/>
-            </a:endParaRPr>
+            <a:pPr algn="ctr"/>
+            <a:r>
+              <a:rPr lang="sk-SK" dirty="0"/>
+              <a:t>Prvých 5 výstupných dát prevedených </a:t>
+            </a:r>
+          </a:p>
+          <a:p>
+            <a:pPr algn="ctr"/>
+            <a:r>
+              <a:rPr lang="sk-SK" dirty="0"/>
+              <a:t>do kategorickej premennej</a:t>
+            </a:r>
           </a:p>
         </p:txBody>
       </p:sp>
@@ -4320,13 +4952,245 @@
           </a:bodyPr>
           <a:lstStyle/>
           <a:p>
-            <a:endParaRPr lang="sk-SK" sz="3200" dirty="0">
+            <a:r>
+              <a:rPr lang="en-US" sz="2800" dirty="0">
+                <a:solidFill>
+                  <a:srgbClr val="00B050"/>
+                </a:solidFill>
+                <a:latin typeface="Calibri" panose="020F0502020204030204" pitchFamily="34" charset="0"/>
+                <a:cs typeface="Calibri" panose="020F0502020204030204" pitchFamily="34" charset="0"/>
+              </a:rPr>
+              <a:t>from</a:t>
+            </a:r>
+            <a:r>
+              <a:rPr lang="en-US" sz="2800" dirty="0">
+                <a:latin typeface="Calibri" panose="020F0502020204030204" pitchFamily="34" charset="0"/>
+                <a:cs typeface="Calibri" panose="020F0502020204030204" pitchFamily="34" charset="0"/>
+              </a:rPr>
+              <a:t> </a:t>
+            </a:r>
+            <a:r>
+              <a:rPr lang="en-US" sz="2800" dirty="0" err="1">
+                <a:latin typeface="Calibri" panose="020F0502020204030204" pitchFamily="34" charset="0"/>
+                <a:cs typeface="Calibri" panose="020F0502020204030204" pitchFamily="34" charset="0"/>
+              </a:rPr>
+              <a:t>sklearn.model_selection</a:t>
+            </a:r>
+            <a:r>
+              <a:rPr lang="en-US" sz="2800" dirty="0">
+                <a:latin typeface="Calibri" panose="020F0502020204030204" pitchFamily="34" charset="0"/>
+                <a:cs typeface="Calibri" panose="020F0502020204030204" pitchFamily="34" charset="0"/>
+              </a:rPr>
+              <a:t> </a:t>
+            </a:r>
+            <a:r>
+              <a:rPr lang="en-US" sz="2800" dirty="0">
+                <a:solidFill>
+                  <a:srgbClr val="00B050"/>
+                </a:solidFill>
+                <a:latin typeface="Calibri" panose="020F0502020204030204" pitchFamily="34" charset="0"/>
+                <a:cs typeface="Calibri" panose="020F0502020204030204" pitchFamily="34" charset="0"/>
+              </a:rPr>
+              <a:t>import</a:t>
+            </a:r>
+            <a:r>
+              <a:rPr lang="en-US" sz="2800" dirty="0">
+                <a:latin typeface="Calibri" panose="020F0502020204030204" pitchFamily="34" charset="0"/>
+                <a:cs typeface="Calibri" panose="020F0502020204030204" pitchFamily="34" charset="0"/>
+              </a:rPr>
+              <a:t> </a:t>
+            </a:r>
+            <a:r>
+              <a:rPr lang="en-US" sz="2800" dirty="0" err="1">
+                <a:latin typeface="Calibri" panose="020F0502020204030204" pitchFamily="34" charset="0"/>
+                <a:cs typeface="Calibri" panose="020F0502020204030204" pitchFamily="34" charset="0"/>
+              </a:rPr>
+              <a:t>train_test_split</a:t>
+            </a:r>
+            <a:endParaRPr lang="sk-SK" sz="2800" dirty="0">
               <a:latin typeface="Calibri" panose="020F0502020204030204" pitchFamily="34" charset="0"/>
               <a:cs typeface="Calibri" panose="020F0502020204030204" pitchFamily="34" charset="0"/>
             </a:endParaRPr>
           </a:p>
-        </p:txBody>
-      </p:sp>
+          <a:p>
+            <a:endParaRPr lang="sk-SK" sz="2800" dirty="0">
+              <a:latin typeface="Calibri" panose="020F0502020204030204" pitchFamily="34" charset="0"/>
+              <a:cs typeface="Calibri" panose="020F0502020204030204" pitchFamily="34" charset="0"/>
+            </a:endParaRPr>
+          </a:p>
+          <a:p>
+            <a:pPr marL="0" indent="0">
+              <a:buNone/>
+            </a:pPr>
+            <a:endParaRPr lang="sk-SK" sz="2800" dirty="0">
+              <a:latin typeface="Calibri" panose="020F0502020204030204" pitchFamily="34" charset="0"/>
+              <a:cs typeface="Calibri" panose="020F0502020204030204" pitchFamily="34" charset="0"/>
+            </a:endParaRPr>
+          </a:p>
+          <a:p>
+            <a:endParaRPr lang="sk-SK" sz="2800" dirty="0">
+              <a:latin typeface="Calibri" panose="020F0502020204030204" pitchFamily="34" charset="0"/>
+              <a:cs typeface="Calibri" panose="020F0502020204030204" pitchFamily="34" charset="0"/>
+            </a:endParaRPr>
+          </a:p>
+          <a:p>
+            <a:r>
+              <a:rPr lang="sk-SK" sz="2800" dirty="0">
+                <a:latin typeface="Calibri" panose="020F0502020204030204" pitchFamily="34" charset="0"/>
+                <a:cs typeface="Calibri" panose="020F0502020204030204" pitchFamily="34" charset="0"/>
+              </a:rPr>
+              <a:t>vstup: </a:t>
+            </a:r>
+          </a:p>
+          <a:p>
+            <a:pPr lvl="2"/>
+            <a:r>
+              <a:rPr lang="sk-SK" sz="2600" dirty="0" err="1">
+                <a:latin typeface="Calibri" panose="020F0502020204030204" pitchFamily="34" charset="0"/>
+                <a:cs typeface="Calibri" panose="020F0502020204030204" pitchFamily="34" charset="0"/>
+              </a:rPr>
+              <a:t>zoškálované</a:t>
+            </a:r>
+            <a:r>
+              <a:rPr lang="sk-SK" sz="2600" dirty="0">
+                <a:latin typeface="Calibri" panose="020F0502020204030204" pitchFamily="34" charset="0"/>
+                <a:cs typeface="Calibri" panose="020F0502020204030204" pitchFamily="34" charset="0"/>
+              </a:rPr>
+              <a:t> vstupné dáta,</a:t>
+            </a:r>
+          </a:p>
+          <a:p>
+            <a:pPr lvl="2"/>
+            <a:r>
+              <a:rPr lang="sk-SK" sz="2600" dirty="0">
+                <a:latin typeface="Calibri" panose="020F0502020204030204" pitchFamily="34" charset="0"/>
+                <a:cs typeface="Calibri" panose="020F0502020204030204" pitchFamily="34" charset="0"/>
+              </a:rPr>
+              <a:t>výstupné dáta v kategorickej podobe</a:t>
+            </a:r>
+          </a:p>
+          <a:p>
+            <a:r>
+              <a:rPr lang="sk-SK" sz="2800" dirty="0">
+                <a:latin typeface="Calibri" panose="020F0502020204030204" pitchFamily="34" charset="0"/>
+                <a:cs typeface="Calibri" panose="020F0502020204030204" pitchFamily="34" charset="0"/>
+              </a:rPr>
+              <a:t>pomer </a:t>
+            </a:r>
+            <a:r>
+              <a:rPr lang="sk-SK" sz="2800" dirty="0" err="1">
+                <a:latin typeface="Calibri" panose="020F0502020204030204" pitchFamily="34" charset="0"/>
+                <a:cs typeface="Calibri" panose="020F0502020204030204" pitchFamily="34" charset="0"/>
+              </a:rPr>
+              <a:t>trénovacích</a:t>
+            </a:r>
+            <a:r>
+              <a:rPr lang="sk-SK" sz="2800" dirty="0">
+                <a:latin typeface="Calibri" panose="020F0502020204030204" pitchFamily="34" charset="0"/>
+                <a:cs typeface="Calibri" panose="020F0502020204030204" pitchFamily="34" charset="0"/>
+              </a:rPr>
+              <a:t> a testovacích dát = </a:t>
+            </a:r>
+            <a:r>
+              <a:rPr lang="sk-SK" sz="2800" b="1" dirty="0">
+                <a:latin typeface="Calibri" panose="020F0502020204030204" pitchFamily="34" charset="0"/>
+                <a:cs typeface="Calibri" panose="020F0502020204030204" pitchFamily="34" charset="0"/>
+              </a:rPr>
+              <a:t>80 : 20</a:t>
+            </a:r>
+          </a:p>
+          <a:p>
+            <a:endParaRPr lang="sk-SK" sz="2800" dirty="0">
+              <a:latin typeface="Calibri" panose="020F0502020204030204" pitchFamily="34" charset="0"/>
+              <a:cs typeface="Calibri" panose="020F0502020204030204" pitchFamily="34" charset="0"/>
+            </a:endParaRPr>
+          </a:p>
+        </p:txBody>
+      </p:sp>
+      <p:pic>
+        <p:nvPicPr>
+          <p:cNvPr id="5" name="Obrázok 4">
+            <a:extLst>
+              <a:ext uri="{FF2B5EF4-FFF2-40B4-BE49-F238E27FC236}">
+                <a16:creationId xmlns:a16="http://schemas.microsoft.com/office/drawing/2014/main" id="{5624C824-F65B-42EF-B852-1F097B1A6600}"/>
+              </a:ext>
+            </a:extLst>
+          </p:cNvPr>
+          <p:cNvPicPr>
+            <a:picLocks noChangeAspect="1"/>
+          </p:cNvPicPr>
+          <p:nvPr/>
+        </p:nvPicPr>
+        <p:blipFill>
+          <a:blip r:embed="rId2"/>
+          <a:stretch>
+            <a:fillRect/>
+          </a:stretch>
+        </p:blipFill>
+        <p:spPr>
+          <a:xfrm>
+            <a:off x="940498" y="2227971"/>
+            <a:ext cx="10311003" cy="524107"/>
+          </a:xfrm>
+          <a:prstGeom prst="rect">
+            <a:avLst/>
+          </a:prstGeom>
+          <a:ln w="12700">
+            <a:solidFill>
+              <a:schemeClr val="tx1"/>
+            </a:solidFill>
+          </a:ln>
+          <a:effectLst>
+            <a:outerShdw blurRad="50800" dist="38100" dir="2700000" algn="tl" rotWithShape="0">
+              <a:prstClr val="black">
+                <a:alpha val="40000"/>
+              </a:prstClr>
+            </a:outerShdw>
+          </a:effectLst>
+        </p:spPr>
+      </p:pic>
+      <p:pic>
+        <p:nvPicPr>
+          <p:cNvPr id="7" name="Obrázok 6">
+            <a:extLst>
+              <a:ext uri="{FF2B5EF4-FFF2-40B4-BE49-F238E27FC236}">
+                <a16:creationId xmlns:a16="http://schemas.microsoft.com/office/drawing/2014/main" id="{2A976338-998B-4518-B1E5-D364C8E8A978}"/>
+              </a:ext>
+            </a:extLst>
+          </p:cNvPr>
+          <p:cNvPicPr>
+            <a:picLocks noChangeAspect="1"/>
+          </p:cNvPicPr>
+          <p:nvPr/>
+        </p:nvPicPr>
+        <p:blipFill>
+          <a:blip r:embed="rId3"/>
+          <a:stretch>
+            <a:fillRect/>
+          </a:stretch>
+        </p:blipFill>
+        <p:spPr>
+          <a:xfrm>
+            <a:off x="3805236" y="3043284"/>
+            <a:ext cx="4581525" cy="352425"/>
+          </a:xfrm>
+          <a:prstGeom prst="rect">
+            <a:avLst/>
+          </a:prstGeom>
+          <a:ln w="12700">
+            <a:solidFill>
+              <a:schemeClr val="tx1"/>
+            </a:solidFill>
+          </a:ln>
+          <a:effectLst>
+            <a:outerShdw blurRad="50800" dist="38100" dir="2700000" algn="tl" rotWithShape="0">
+              <a:prstClr val="black">
+                <a:alpha val="40000"/>
+              </a:prstClr>
+            </a:outerShdw>
+          </a:effectLst>
+        </p:spPr>
+      </p:pic>
     </p:spTree>
     <p:extLst>
       <p:ext uri="{BB962C8B-B14F-4D97-AF65-F5344CB8AC3E}">
@@ -4419,174 +5283,12 @@
           </a:p>
         </p:txBody>
       </p:sp>
-      <p:sp>
-        <p:nvSpPr>
-          <p:cNvPr id="3" name="Zástupný objekt pre obsah 2">
-            <a:extLst>
-              <a:ext uri="{FF2B5EF4-FFF2-40B4-BE49-F238E27FC236}">
-                <a16:creationId xmlns:a16="http://schemas.microsoft.com/office/drawing/2014/main" id="{D9A58B30-15A1-4609-A08D-5A18ACD717CD}"/>
-              </a:ext>
-            </a:extLst>
-          </p:cNvPr>
-          <p:cNvSpPr>
-            <a:spLocks noGrp="1"/>
-          </p:cNvSpPr>
-          <p:nvPr>
-            <p:ph idx="1"/>
-          </p:nvPr>
-        </p:nvSpPr>
-        <p:spPr>
-          <a:xfrm>
-            <a:off x="627355" y="1464817"/>
-            <a:ext cx="10937290" cy="5095782"/>
-          </a:xfrm>
-        </p:spPr>
-        <p:txBody>
-          <a:bodyPr>
-            <a:normAutofit/>
-          </a:bodyPr>
-          <a:lstStyle/>
-          <a:p>
-            <a:endParaRPr lang="sk-SK" sz="3200" dirty="0">
-              <a:latin typeface="Calibri" panose="020F0502020204030204" pitchFamily="34" charset="0"/>
-              <a:cs typeface="Calibri" panose="020F0502020204030204" pitchFamily="34" charset="0"/>
-            </a:endParaRPr>
-          </a:p>
-        </p:txBody>
-      </p:sp>
-    </p:spTree>
-    <p:extLst>
-      <p:ext uri="{BB962C8B-B14F-4D97-AF65-F5344CB8AC3E}">
-        <p14:creationId xmlns:p14="http://schemas.microsoft.com/office/powerpoint/2010/main" val="1044536458"/>
-      </p:ext>
-    </p:extLst>
-  </p:cSld>
-  <p:clrMapOvr>
-    <a:masterClrMapping/>
-  </p:clrMapOvr>
-</p:sld>
-</file>
-
-<file path=ppt/slides/slide7.xml><?xml version="1.0" encoding="utf-8"?>
-<p:sld xmlns:a="http://schemas.openxmlformats.org/drawingml/2006/main" xmlns:r="http://schemas.openxmlformats.org/officeDocument/2006/relationships" xmlns:p="http://schemas.openxmlformats.org/presentationml/2006/main">
-  <p:cSld>
-    <p:bg>
-      <p:bgPr>
-        <a:solidFill>
-          <a:schemeClr val="accent2">
-            <a:lumMod val="20000"/>
-            <a:lumOff val="80000"/>
-          </a:schemeClr>
-        </a:solidFill>
-        <a:effectLst/>
-      </p:bgPr>
-    </p:bg>
-    <p:spTree>
-      <p:nvGrpSpPr>
-        <p:cNvPr id="1" name=""/>
-        <p:cNvGrpSpPr/>
-        <p:nvPr/>
-      </p:nvGrpSpPr>
-      <p:grpSpPr>
-        <a:xfrm>
-          <a:off x="0" y="0"/>
-          <a:ext cx="0" cy="0"/>
-          <a:chOff x="0" y="0"/>
-          <a:chExt cx="0" cy="0"/>
-        </a:xfrm>
-      </p:grpSpPr>
-      <p:sp>
-        <p:nvSpPr>
-          <p:cNvPr id="2" name="Nadpis 1">
-            <a:extLst>
-              <a:ext uri="{FF2B5EF4-FFF2-40B4-BE49-F238E27FC236}">
-                <a16:creationId xmlns:a16="http://schemas.microsoft.com/office/drawing/2014/main" id="{7A3D77A8-C7B2-44E1-96F8-24E644374F98}"/>
-              </a:ext>
-            </a:extLst>
-          </p:cNvPr>
-          <p:cNvSpPr>
-            <a:spLocks noGrp="1"/>
-          </p:cNvSpPr>
-          <p:nvPr>
-            <p:ph type="title"/>
-          </p:nvPr>
-        </p:nvSpPr>
-        <p:spPr>
-          <a:xfrm>
-            <a:off x="627355" y="297402"/>
-            <a:ext cx="10937290" cy="786251"/>
-          </a:xfrm>
-          <a:solidFill>
-            <a:srgbClr val="FFFFFF"/>
-          </a:solidFill>
-          <a:ln w="38100" cap="sq">
-            <a:solidFill>
-              <a:srgbClr val="404040"/>
-            </a:solidFill>
-            <a:miter lim="800000"/>
-          </a:ln>
-        </p:spPr>
-        <p:txBody>
-          <a:bodyPr vert="horz" lIns="274320" tIns="182880" rIns="274320" bIns="182880" rtlCol="0" anchor="ctr" anchorCtr="1">
-            <a:normAutofit/>
-          </a:bodyPr>
-          <a:lstStyle/>
-          <a:p>
-            <a:r>
-              <a:rPr lang="sk-SK" dirty="0">
-                <a:solidFill>
-                  <a:srgbClr val="262626"/>
-                </a:solidFill>
-                <a:latin typeface="+mj-lt"/>
-                <a:ea typeface="+mj-ea"/>
-                <a:cs typeface="+mj-cs"/>
-              </a:rPr>
-              <a:t>Testovanie neurónovej siete</a:t>
-            </a:r>
-          </a:p>
-        </p:txBody>
-      </p:sp>
-      <p:sp>
-        <p:nvSpPr>
-          <p:cNvPr id="3" name="Zástupný objekt pre obsah 2">
-            <a:extLst>
-              <a:ext uri="{FF2B5EF4-FFF2-40B4-BE49-F238E27FC236}">
-                <a16:creationId xmlns:a16="http://schemas.microsoft.com/office/drawing/2014/main" id="{D9A58B30-15A1-4609-A08D-5A18ACD717CD}"/>
-              </a:ext>
-            </a:extLst>
-          </p:cNvPr>
-          <p:cNvSpPr>
-            <a:spLocks noGrp="1"/>
-          </p:cNvSpPr>
-          <p:nvPr>
-            <p:ph idx="1"/>
-          </p:nvPr>
-        </p:nvSpPr>
-        <p:spPr>
-          <a:xfrm>
-            <a:off x="627355" y="1464817"/>
-            <a:ext cx="10937290" cy="5095782"/>
-          </a:xfrm>
-        </p:spPr>
-        <p:txBody>
-          <a:bodyPr>
-            <a:normAutofit/>
-          </a:bodyPr>
-          <a:lstStyle/>
-          <a:p>
-            <a:endParaRPr lang="sk-SK" sz="3200" dirty="0">
-              <a:latin typeface="Calibri" panose="020F0502020204030204" pitchFamily="34" charset="0"/>
-              <a:cs typeface="Calibri" panose="020F0502020204030204" pitchFamily="34" charset="0"/>
-            </a:endParaRPr>
-          </a:p>
-        </p:txBody>
-      </p:sp>
       <p:pic>
         <p:nvPicPr>
           <p:cNvPr id="5" name="Obrázok 4">
             <a:extLst>
               <a:ext uri="{FF2B5EF4-FFF2-40B4-BE49-F238E27FC236}">
-                <a16:creationId xmlns:a16="http://schemas.microsoft.com/office/drawing/2014/main" id="{14BF738E-3FCC-4139-B2D7-68F34DDE5258}"/>
+                <a16:creationId xmlns:a16="http://schemas.microsoft.com/office/drawing/2014/main" id="{885B30D2-2AE9-4CDD-B6E8-4B7C13326596}"/>
               </a:ext>
             </a:extLst>
           </p:cNvPr>
@@ -4603,8 +5305,8 @@
         </p:blipFill>
         <p:spPr>
           <a:xfrm>
-            <a:off x="627354" y="2032708"/>
-            <a:ext cx="5230189" cy="3960000"/>
+            <a:off x="627355" y="1464817"/>
+            <a:ext cx="6524625" cy="2371725"/>
           </a:xfrm>
           <a:prstGeom prst="rect">
             <a:avLst/>
@@ -4628,7 +5330,7 @@
           <p:cNvPr id="7" name="Obrázok 6">
             <a:extLst>
               <a:ext uri="{FF2B5EF4-FFF2-40B4-BE49-F238E27FC236}">
-                <a16:creationId xmlns:a16="http://schemas.microsoft.com/office/drawing/2014/main" id="{6885D2E5-F4ED-40F2-ACE7-6F632FCA1E3B}"/>
+                <a16:creationId xmlns:a16="http://schemas.microsoft.com/office/drawing/2014/main" id="{69220E64-D149-4E01-996E-8F1164011A82}"/>
               </a:ext>
             </a:extLst>
           </p:cNvPr>
@@ -4645,8 +5347,8 @@
         </p:blipFill>
         <p:spPr>
           <a:xfrm>
-            <a:off x="6334458" y="2032708"/>
-            <a:ext cx="5230189" cy="3960000"/>
+            <a:off x="723900" y="4696657"/>
+            <a:ext cx="10744200" cy="838200"/>
           </a:xfrm>
           <a:prstGeom prst="rect">
             <a:avLst/>
@@ -4665,10 +5367,300 @@
           </a:effectLst>
         </p:spPr>
       </p:pic>
+      <p:sp>
+        <p:nvSpPr>
+          <p:cNvPr id="8" name="BlokTextu 7">
+            <a:extLst>
+              <a:ext uri="{FF2B5EF4-FFF2-40B4-BE49-F238E27FC236}">
+                <a16:creationId xmlns:a16="http://schemas.microsoft.com/office/drawing/2014/main" id="{7CC4B524-03C9-49CF-A47A-C9C2109E871E}"/>
+              </a:ext>
+            </a:extLst>
+          </p:cNvPr>
+          <p:cNvSpPr txBox="1"/>
+          <p:nvPr/>
+        </p:nvSpPr>
+        <p:spPr>
+          <a:xfrm>
+            <a:off x="7466120" y="1681183"/>
+            <a:ext cx="4336508" cy="1938992"/>
+          </a:xfrm>
+          <a:prstGeom prst="rect">
+            <a:avLst/>
+          </a:prstGeom>
+          <a:noFill/>
+        </p:spPr>
+        <p:txBody>
+          <a:bodyPr wrap="none" rtlCol="0">
+            <a:spAutoFit/>
+          </a:bodyPr>
+          <a:lstStyle/>
+          <a:p>
+            <a:pPr marL="285750" indent="-285750">
+              <a:buFont typeface="Arial" panose="020B0604020202020204" pitchFamily="34" charset="0"/>
+              <a:buChar char="•"/>
+            </a:pPr>
+            <a:r>
+              <a:rPr lang="sk-SK" sz="2000" dirty="0"/>
+              <a:t>sekvenčný model</a:t>
+            </a:r>
+          </a:p>
+          <a:p>
+            <a:pPr marL="285750" indent="-285750">
+              <a:buFont typeface="Arial" panose="020B0604020202020204" pitchFamily="34" charset="0"/>
+              <a:buChar char="•"/>
+            </a:pPr>
+            <a:endParaRPr lang="sk-SK" sz="2000" dirty="0"/>
+          </a:p>
+          <a:p>
+            <a:pPr marL="285750" indent="-285750">
+              <a:buFont typeface="Arial" panose="020B0604020202020204" pitchFamily="34" charset="0"/>
+              <a:buChar char="•"/>
+            </a:pPr>
+            <a:r>
+              <a:rPr lang="sk-SK" sz="2000" dirty="0"/>
+              <a:t>prvá vrstva:  15 neurónov, 21 vstupov</a:t>
+            </a:r>
+          </a:p>
+          <a:p>
+            <a:pPr marL="285750" indent="-285750">
+              <a:buFont typeface="Arial" panose="020B0604020202020204" pitchFamily="34" charset="0"/>
+              <a:buChar char="•"/>
+            </a:pPr>
+            <a:r>
+              <a:rPr lang="sk-SK" sz="2000" dirty="0"/>
+              <a:t>druhá vrstva: 12 neurónov</a:t>
+            </a:r>
+          </a:p>
+          <a:p>
+            <a:pPr marL="285750" indent="-285750">
+              <a:buFont typeface="Arial" panose="020B0604020202020204" pitchFamily="34" charset="0"/>
+              <a:buChar char="•"/>
+            </a:pPr>
+            <a:endParaRPr lang="sk-SK" sz="2000" dirty="0"/>
+          </a:p>
+          <a:p>
+            <a:pPr marL="285750" indent="-285750">
+              <a:buFont typeface="Arial" panose="020B0604020202020204" pitchFamily="34" charset="0"/>
+              <a:buChar char="•"/>
+            </a:pPr>
+            <a:r>
+              <a:rPr lang="sk-SK" sz="2000" dirty="0"/>
+              <a:t>výstupná vrstva: 3 neuróny</a:t>
+            </a:r>
+          </a:p>
+        </p:txBody>
+      </p:sp>
     </p:spTree>
     <p:extLst>
       <p:ext uri="{BB962C8B-B14F-4D97-AF65-F5344CB8AC3E}">
-        <p14:creationId xmlns:p14="http://schemas.microsoft.com/office/powerpoint/2010/main" val="1688290360"/>
+        <p14:creationId xmlns:p14="http://schemas.microsoft.com/office/powerpoint/2010/main" val="1044536458"/>
+      </p:ext>
+    </p:extLst>
+  </p:cSld>
+  <p:clrMapOvr>
+    <a:masterClrMapping/>
+  </p:clrMapOvr>
+</p:sld>
+</file>
+
+<file path=ppt/slides/slide7.xml><?xml version="1.0" encoding="utf-8"?>
+<p:sld xmlns:a="http://schemas.openxmlformats.org/drawingml/2006/main" xmlns:r="http://schemas.openxmlformats.org/officeDocument/2006/relationships" xmlns:p="http://schemas.openxmlformats.org/presentationml/2006/main">
+  <p:cSld>
+    <p:bg>
+      <p:bgPr>
+        <a:solidFill>
+          <a:schemeClr val="accent2"/>
+        </a:solidFill>
+        <a:effectLst/>
+      </p:bgPr>
+    </p:bg>
+    <p:spTree>
+      <p:nvGrpSpPr>
+        <p:cNvPr id="1" name=""/>
+        <p:cNvGrpSpPr/>
+        <p:nvPr/>
+      </p:nvGrpSpPr>
+      <p:grpSpPr>
+        <a:xfrm>
+          <a:off x="0" y="0"/>
+          <a:ext cx="0" cy="0"/>
+          <a:chOff x="0" y="0"/>
+          <a:chExt cx="0" cy="0"/>
+        </a:xfrm>
+      </p:grpSpPr>
+      <p:sp>
+        <p:nvSpPr>
+          <p:cNvPr id="2" name="Nadpis 1">
+            <a:extLst>
+              <a:ext uri="{FF2B5EF4-FFF2-40B4-BE49-F238E27FC236}">
+                <a16:creationId xmlns:a16="http://schemas.microsoft.com/office/drawing/2014/main" id="{7A3D77A8-C7B2-44E1-96F8-24E644374F98}"/>
+              </a:ext>
+            </a:extLst>
+          </p:cNvPr>
+          <p:cNvSpPr>
+            <a:spLocks noGrp="1"/>
+          </p:cNvSpPr>
+          <p:nvPr>
+            <p:ph type="title"/>
+          </p:nvPr>
+        </p:nvSpPr>
+        <p:spPr>
+          <a:xfrm>
+            <a:off x="804672" y="2404872"/>
+            <a:ext cx="3044950" cy="1627792"/>
+          </a:xfrm>
+        </p:spPr>
+        <p:txBody>
+          <a:bodyPr vert="horz" lIns="274320" tIns="182880" rIns="274320" bIns="182880" rtlCol="0" anchor="ctr" anchorCtr="1">
+            <a:normAutofit/>
+          </a:bodyPr>
+          <a:lstStyle/>
+          <a:p>
+            <a:r>
+              <a:rPr lang="sk-SK" sz="2200" dirty="0">
+                <a:solidFill>
+                  <a:srgbClr val="262626"/>
+                </a:solidFill>
+              </a:rPr>
+              <a:t>Vzhľad </a:t>
+            </a:r>
+            <a:r>
+              <a:rPr lang="en-US" sz="2200" dirty="0" err="1">
+                <a:solidFill>
+                  <a:srgbClr val="262626"/>
+                </a:solidFill>
+              </a:rPr>
+              <a:t>neurónov</a:t>
+            </a:r>
+            <a:r>
+              <a:rPr lang="sk-SK" sz="2200" dirty="0">
+                <a:solidFill>
+                  <a:srgbClr val="262626"/>
+                </a:solidFill>
+              </a:rPr>
+              <a:t>ej</a:t>
+            </a:r>
+            <a:r>
+              <a:rPr lang="en-US" sz="2200" dirty="0">
+                <a:solidFill>
+                  <a:srgbClr val="262626"/>
+                </a:solidFill>
+              </a:rPr>
+              <a:t> </a:t>
+            </a:r>
+            <a:r>
+              <a:rPr lang="sk-SK" sz="2200" dirty="0">
+                <a:solidFill>
+                  <a:srgbClr val="262626"/>
+                </a:solidFill>
+              </a:rPr>
+              <a:t>siete</a:t>
+            </a:r>
+            <a:endParaRPr lang="en-US" sz="2200" dirty="0">
+              <a:solidFill>
+                <a:srgbClr val="262626"/>
+              </a:solidFill>
+            </a:endParaRPr>
+          </a:p>
+        </p:txBody>
+      </p:sp>
+      <p:sp>
+        <p:nvSpPr>
+          <p:cNvPr id="9" name="Rectangle 8">
+            <a:extLst>
+              <a:ext uri="{FF2B5EF4-FFF2-40B4-BE49-F238E27FC236}">
+                <a16:creationId xmlns:a16="http://schemas.microsoft.com/office/drawing/2014/main" id="{ED6F0A31-5407-4EFA-9DFA-67E942682962}"/>
+              </a:ext>
+              <a:ext uri="{C183D7F6-B498-43B3-948B-1728B52AA6E4}">
+                <adec:decorative xmlns:adec="http://schemas.microsoft.com/office/drawing/2017/decorative" val="1"/>
+              </a:ext>
+            </a:extLst>
+          </p:cNvPr>
+          <p:cNvSpPr>
+            <a:spLocks noGrp="1" noRot="1" noChangeAspect="1" noMove="1" noResize="1" noEditPoints="1" noAdjustHandles="1" noChangeArrowheads="1" noChangeShapeType="1" noTextEdit="1"/>
+          </p:cNvSpPr>
+          <p:nvPr>
+            <p:extLst>
+              <p:ext uri="{386F3935-93C4-4BCD-93E2-E3B085C9AB24}">
+                <p16:designElem xmlns:p16="http://schemas.microsoft.com/office/powerpoint/2015/main" val="1"/>
+              </p:ext>
+            </p:extLst>
+          </p:nvPr>
+        </p:nvSpPr>
+        <p:spPr>
+          <a:xfrm>
+            <a:off x="4654296" y="0"/>
+            <a:ext cx="7537703" cy="6858000"/>
+          </a:xfrm>
+          <a:prstGeom prst="rect">
+            <a:avLst/>
+          </a:prstGeom>
+          <a:solidFill>
+            <a:srgbClr val="FFFFFF"/>
+          </a:solidFill>
+          <a:ln>
+            <a:noFill/>
+          </a:ln>
+        </p:spPr>
+        <p:style>
+          <a:lnRef idx="2">
+            <a:schemeClr val="accent1">
+              <a:shade val="50000"/>
+            </a:schemeClr>
+          </a:lnRef>
+          <a:fillRef idx="1">
+            <a:schemeClr val="accent1"/>
+          </a:fillRef>
+          <a:effectRef idx="0">
+            <a:schemeClr val="accent1"/>
+          </a:effectRef>
+          <a:fontRef idx="minor">
+            <a:schemeClr val="lt1"/>
+          </a:fontRef>
+        </p:style>
+        <p:txBody>
+          <a:bodyPr rtlCol="0" anchor="ctr"/>
+          <a:lstStyle/>
+          <a:p>
+            <a:pPr algn="ctr"/>
+            <a:endParaRPr lang="en-US"/>
+          </a:p>
+        </p:txBody>
+      </p:sp>
+      <p:pic>
+        <p:nvPicPr>
+          <p:cNvPr id="4" name="Obrázok 3">
+            <a:extLst>
+              <a:ext uri="{FF2B5EF4-FFF2-40B4-BE49-F238E27FC236}">
+                <a16:creationId xmlns:a16="http://schemas.microsoft.com/office/drawing/2014/main" id="{78540267-3E3B-4CF8-8834-6D9C0EFF7248}"/>
+              </a:ext>
+            </a:extLst>
+          </p:cNvPr>
+          <p:cNvPicPr>
+            <a:picLocks noChangeAspect="1"/>
+          </p:cNvPicPr>
+          <p:nvPr/>
+        </p:nvPicPr>
+        <p:blipFill>
+          <a:blip r:embed="rId2"/>
+          <a:stretch>
+            <a:fillRect/>
+          </a:stretch>
+        </p:blipFill>
+        <p:spPr>
+          <a:xfrm>
+            <a:off x="5211147" y="606345"/>
+            <a:ext cx="6433402" cy="5645310"/>
+          </a:xfrm>
+          <a:prstGeom prst="rect">
+            <a:avLst/>
+          </a:prstGeom>
+        </p:spPr>
+      </p:pic>
+    </p:spTree>
+    <p:extLst>
+      <p:ext uri="{BB962C8B-B14F-4D97-AF65-F5344CB8AC3E}">
+        <p14:creationId xmlns:p14="http://schemas.microsoft.com/office/powerpoint/2010/main" val="900424547"/>
       </p:ext>
     </p:extLst>
   </p:cSld>
@@ -4724,8 +5716,8 @@
         </p:nvSpPr>
         <p:spPr>
           <a:xfrm>
-            <a:off x="2160233" y="2885242"/>
-            <a:ext cx="7871534" cy="1087515"/>
+            <a:off x="627355" y="297402"/>
+            <a:ext cx="10937290" cy="786251"/>
           </a:xfrm>
           <a:solidFill>
             <a:srgbClr val="FFFFFF"/>
@@ -4752,20 +5744,1110 @@
                 <a:ea typeface="+mj-ea"/>
                 <a:cs typeface="+mj-cs"/>
               </a:rPr>
-              <a:t>Ďakujem za pozornosť</a:t>
-            </a:r>
-          </a:p>
-        </p:txBody>
-      </p:sp>
+              <a:t>Aktivačné funkcie</a:t>
+            </a:r>
+          </a:p>
+        </p:txBody>
+      </p:sp>
+      <mc:AlternateContent xmlns:mc="http://schemas.openxmlformats.org/markup-compatibility/2006" xmlns:a14="http://schemas.microsoft.com/office/drawing/2010/main">
+        <mc:Choice Requires="a14">
+          <p:sp>
+            <p:nvSpPr>
+              <p:cNvPr id="4" name="BlokTextu 3">
+                <a:extLst>
+                  <a:ext uri="{FF2B5EF4-FFF2-40B4-BE49-F238E27FC236}">
+                    <a16:creationId xmlns:a16="http://schemas.microsoft.com/office/drawing/2014/main" id="{A62DA30A-7D0F-4493-81DC-DDC500BB3827}"/>
+                  </a:ext>
+                </a:extLst>
+              </p:cNvPr>
+              <p:cNvSpPr txBox="1"/>
+              <p:nvPr/>
+            </p:nvSpPr>
+            <p:spPr>
+              <a:xfrm>
+                <a:off x="2025519" y="5296406"/>
+                <a:ext cx="2220160" cy="1264192"/>
+              </a:xfrm>
+              <a:prstGeom prst="rect">
+                <a:avLst/>
+              </a:prstGeom>
+              <a:noFill/>
+            </p:spPr>
+            <p:txBody>
+              <a:bodyPr wrap="none" rtlCol="0">
+                <a:spAutoFit/>
+              </a:bodyPr>
+              <a:lstStyle/>
+              <a:p>
+                <a:r>
+                  <a:rPr lang="sk-SK" dirty="0">
+                    <a:ea typeface="Cambria Math"/>
+                  </a:rPr>
+                  <a:t>f</a:t>
+                </a:r>
+                <a14:m>
+                  <m:oMath xmlns:m="http://schemas.openxmlformats.org/officeDocument/2006/math">
+                    <m:d>
+                      <m:dPr>
+                        <m:ctrlPr>
+                          <a:rPr lang="sk-SK" i="1">
+                            <a:latin typeface="Cambria Math" panose="02040503050406030204" pitchFamily="18" charset="0"/>
+                            <a:ea typeface="Cambria Math"/>
+                          </a:rPr>
+                        </m:ctrlPr>
+                      </m:dPr>
+                      <m:e>
+                        <m:r>
+                          <a:rPr lang="sk-SK" b="0" i="1" smtClean="0">
+                            <a:latin typeface="Cambria Math" panose="02040503050406030204" pitchFamily="18" charset="0"/>
+                            <a:ea typeface="Cambria Math"/>
+                          </a:rPr>
+                          <m:t>𝑥</m:t>
+                        </m:r>
+                      </m:e>
+                    </m:d>
+                    <m:r>
+                      <a:rPr lang="sk-SK" i="1">
+                        <a:latin typeface="Cambria Math"/>
+                        <a:ea typeface="Cambria Math"/>
+                      </a:rPr>
+                      <m:t>=</m:t>
+                    </m:r>
+                    <m:d>
+                      <m:dPr>
+                        <m:begChr m:val="{"/>
+                        <m:endChr m:val=""/>
+                        <m:ctrlPr>
+                          <a:rPr lang="sk-SK" i="1">
+                            <a:latin typeface="Cambria Math" panose="02040503050406030204" pitchFamily="18" charset="0"/>
+                            <a:ea typeface="Cambria Math"/>
+                          </a:rPr>
+                        </m:ctrlPr>
+                      </m:dPr>
+                      <m:e>
+                        <m:eqArr>
+                          <m:eqArrPr>
+                            <m:ctrlPr>
+                              <a:rPr lang="sk-SK" i="1">
+                                <a:latin typeface="Cambria Math" panose="02040503050406030204" pitchFamily="18" charset="0"/>
+                                <a:ea typeface="Cambria Math"/>
+                              </a:rPr>
+                            </m:ctrlPr>
+                          </m:eqArrPr>
+                          <m:e>
+                            <m:r>
+                              <a:rPr lang="sk-SK" b="0" i="1" smtClean="0">
+                                <a:latin typeface="Cambria Math" panose="02040503050406030204" pitchFamily="18" charset="0"/>
+                                <a:ea typeface="Cambria Math"/>
+                              </a:rPr>
+                              <m:t> 0</m:t>
+                            </m:r>
+                            <m:r>
+                              <a:rPr lang="sk-SK" i="1">
+                                <a:latin typeface="Cambria Math"/>
+                                <a:ea typeface="Cambria Math"/>
+                              </a:rPr>
+                              <m:t>    </m:t>
+                            </m:r>
+                            <m:r>
+                              <a:rPr lang="sk-SK" i="1">
+                                <a:latin typeface="Cambria Math"/>
+                                <a:ea typeface="Cambria Math"/>
+                              </a:rPr>
+                              <m:t>𝑎𝑘</m:t>
+                            </m:r>
+                            <m:r>
+                              <a:rPr lang="sk-SK" b="0" i="1" smtClean="0">
+                                <a:latin typeface="Cambria Math"/>
+                                <a:ea typeface="Cambria Math"/>
+                              </a:rPr>
+                              <m:t> </m:t>
+                            </m:r>
+                            <m:r>
+                              <m:rPr>
+                                <m:nor/>
+                              </m:rPr>
+                              <a:rPr lang="en-US" i="1" dirty="0">
+                                <a:latin typeface="Cambria Math" panose="02040503050406030204" pitchFamily="18" charset="0"/>
+                                <a:ea typeface="Cambria Math" panose="02040503050406030204" pitchFamily="18" charset="0"/>
+                              </a:rPr>
+                              <m:t>x</m:t>
+                            </m:r>
+                            <m:r>
+                              <a:rPr lang="sk-SK" b="0" i="1" smtClean="0">
+                                <a:latin typeface="Cambria Math" panose="02040503050406030204" pitchFamily="18" charset="0"/>
+                                <a:ea typeface="Cambria Math"/>
+                              </a:rPr>
+                              <m:t>&lt;0</m:t>
+                            </m:r>
+                          </m:e>
+                          <m:e>
+                            <m:r>
+                              <a:rPr lang="sk-SK" b="0" i="1" smtClean="0">
+                                <a:latin typeface="Cambria Math" panose="02040503050406030204" pitchFamily="18" charset="0"/>
+                                <a:ea typeface="Cambria Math"/>
+                              </a:rPr>
+                              <m:t> </m:t>
+                            </m:r>
+                            <m:r>
+                              <a:rPr lang="sk-SK" b="0" i="1" smtClean="0">
+                                <a:latin typeface="Cambria Math" panose="02040503050406030204" pitchFamily="18" charset="0"/>
+                                <a:ea typeface="Cambria Math"/>
+                              </a:rPr>
+                              <m:t>𝑥</m:t>
+                            </m:r>
+                            <m:r>
+                              <a:rPr lang="sk-SK" i="1">
+                                <a:latin typeface="Cambria Math"/>
+                                <a:ea typeface="Cambria Math"/>
+                              </a:rPr>
+                              <m:t>   </m:t>
+                            </m:r>
+                            <m:r>
+                              <a:rPr lang="sk-SK" i="1">
+                                <a:latin typeface="Cambria Math"/>
+                                <a:ea typeface="Cambria Math"/>
+                              </a:rPr>
+                              <m:t>𝑎𝑘</m:t>
+                            </m:r>
+                            <m:r>
+                              <m:rPr>
+                                <m:nor/>
+                              </m:rPr>
+                              <a:rPr lang="sk-SK" b="0" i="1" smtClean="0">
+                                <a:latin typeface="Cambria Math"/>
+                                <a:ea typeface="Cambria Math"/>
+                              </a:rPr>
+                              <m:t> </m:t>
+                            </m:r>
+                            <m:r>
+                              <m:rPr>
+                                <m:nor/>
+                              </m:rPr>
+                              <a:rPr lang="en-US" i="1" dirty="0">
+                                <a:latin typeface="Cambria Math" panose="02040503050406030204" pitchFamily="18" charset="0"/>
+                                <a:ea typeface="Cambria Math" panose="02040503050406030204" pitchFamily="18" charset="0"/>
+                              </a:rPr>
+                              <m:t>x</m:t>
+                            </m:r>
+                            <m:r>
+                              <a:rPr lang="sk-SK" b="0" i="1" dirty="0" smtClean="0">
+                                <a:latin typeface="Cambria Math"/>
+                                <a:ea typeface="Cambria Math" panose="02040503050406030204" pitchFamily="18" charset="0"/>
+                              </a:rPr>
+                              <m:t> ≥</m:t>
+                            </m:r>
+                            <m:r>
+                              <a:rPr lang="sk-SK" b="0" i="1" dirty="0" smtClean="0">
+                                <a:latin typeface="Cambria Math" panose="02040503050406030204" pitchFamily="18" charset="0"/>
+                                <a:ea typeface="Cambria Math" panose="02040503050406030204" pitchFamily="18" charset="0"/>
+                              </a:rPr>
+                              <m:t>0</m:t>
+                            </m:r>
+                          </m:e>
+                        </m:eqArr>
+                      </m:e>
+                    </m:d>
+                  </m:oMath>
+                </a14:m>
+                <a:endParaRPr lang="sk-SK" b="0" dirty="0">
+                  <a:ea typeface="Cambria Math"/>
+                </a:endParaRPr>
+              </a:p>
+              <a:p>
+                <a:endParaRPr lang="sk-SK" dirty="0"/>
+              </a:p>
+              <a:p>
+                <a:pPr algn="ctr"/>
+                <a:r>
+                  <a:rPr lang="sk-SK" dirty="0"/>
+                  <a:t>y = max(0, x)</a:t>
+                </a:r>
+              </a:p>
+            </p:txBody>
+          </p:sp>
+        </mc:Choice>
+        <mc:Fallback xmlns="">
+          <p:sp>
+            <p:nvSpPr>
+              <p:cNvPr id="4" name="BlokTextu 3">
+                <a:extLst>
+                  <a:ext uri="{FF2B5EF4-FFF2-40B4-BE49-F238E27FC236}">
+                    <a16:creationId xmlns:a16="http://schemas.microsoft.com/office/drawing/2014/main" id="{A62DA30A-7D0F-4493-81DC-DDC500BB3827}"/>
+                  </a:ext>
+                </a:extLst>
+              </p:cNvPr>
+              <p:cNvSpPr txBox="1">
+                <a:spLocks noRot="1" noChangeAspect="1" noMove="1" noResize="1" noEditPoints="1" noAdjustHandles="1" noChangeArrowheads="1" noChangeShapeType="1" noTextEdit="1"/>
+              </p:cNvSpPr>
+              <p:nvPr/>
+            </p:nvSpPr>
+            <p:spPr>
+              <a:xfrm>
+                <a:off x="2025519" y="5296406"/>
+                <a:ext cx="2220160" cy="1264192"/>
+              </a:xfrm>
+              <a:prstGeom prst="rect">
+                <a:avLst/>
+              </a:prstGeom>
+              <a:blipFill>
+                <a:blip r:embed="rId2"/>
+                <a:stretch>
+                  <a:fillRect l="-2198" b="-6763"/>
+                </a:stretch>
+              </a:blipFill>
+            </p:spPr>
+            <p:txBody>
+              <a:bodyPr/>
+              <a:lstStyle/>
+              <a:p>
+                <a:r>
+                  <a:rPr lang="sk-SK">
+                    <a:noFill/>
+                  </a:rPr>
+                  <a:t> </a:t>
+                </a:r>
+              </a:p>
+            </p:txBody>
+          </p:sp>
+        </mc:Fallback>
+      </mc:AlternateContent>
+      <p:pic>
+        <p:nvPicPr>
+          <p:cNvPr id="5" name="Picture 2">
+            <a:extLst>
+              <a:ext uri="{FF2B5EF4-FFF2-40B4-BE49-F238E27FC236}">
+                <a16:creationId xmlns:a16="http://schemas.microsoft.com/office/drawing/2014/main" id="{41B6E44E-E12F-4A5D-B172-59660D57A12F}"/>
+              </a:ext>
+            </a:extLst>
+          </p:cNvPr>
+          <p:cNvPicPr>
+            <a:picLocks noChangeAspect="1" noChangeArrowheads="1"/>
+          </p:cNvPicPr>
+          <p:nvPr/>
+        </p:nvPicPr>
+        <p:blipFill>
+          <a:blip r:embed="rId3">
+            <a:extLst>
+              <a:ext uri="{28A0092B-C50C-407E-A947-70E740481C1C}">
+                <a14:useLocalDpi xmlns:a14="http://schemas.microsoft.com/office/drawing/2010/main" val="0"/>
+              </a:ext>
+            </a:extLst>
+          </a:blip>
+          <a:srcRect/>
+          <a:stretch>
+            <a:fillRect/>
+          </a:stretch>
+        </p:blipFill>
+        <p:spPr bwMode="auto">
+          <a:xfrm>
+            <a:off x="627355" y="1485634"/>
+            <a:ext cx="5016488" cy="3598785"/>
+          </a:xfrm>
+          <a:prstGeom prst="rect">
+            <a:avLst/>
+          </a:prstGeom>
+          <a:noFill/>
+          <a:extLst>
+            <a:ext uri="{909E8E84-426E-40DD-AFC4-6F175D3DCCD1}">
+              <a14:hiddenFill xmlns:a14="http://schemas.microsoft.com/office/drawing/2010/main">
+                <a:solidFill>
+                  <a:srgbClr val="FFFFFF"/>
+                </a:solidFill>
+              </a14:hiddenFill>
+            </a:ext>
+          </a:extLst>
+        </p:spPr>
+      </p:pic>
+      <p:pic>
+        <p:nvPicPr>
+          <p:cNvPr id="1026" name="Picture 2">
+            <a:extLst>
+              <a:ext uri="{FF2B5EF4-FFF2-40B4-BE49-F238E27FC236}">
+                <a16:creationId xmlns:a16="http://schemas.microsoft.com/office/drawing/2014/main" id="{67C650E4-B734-4F1B-AFD3-12FB27625BC3}"/>
+              </a:ext>
+            </a:extLst>
+          </p:cNvPr>
+          <p:cNvPicPr>
+            <a:picLocks noChangeAspect="1" noChangeArrowheads="1"/>
+          </p:cNvPicPr>
+          <p:nvPr/>
+        </p:nvPicPr>
+        <p:blipFill>
+          <a:blip r:embed="rId4">
+            <a:extLst>
+              <a:ext uri="{28A0092B-C50C-407E-A947-70E740481C1C}">
+                <a14:useLocalDpi xmlns:a14="http://schemas.microsoft.com/office/drawing/2010/main" val="0"/>
+              </a:ext>
+            </a:extLst>
+          </a:blip>
+          <a:srcRect/>
+          <a:stretch>
+            <a:fillRect/>
+          </a:stretch>
+        </p:blipFill>
+        <p:spPr bwMode="auto">
+          <a:xfrm>
+            <a:off x="6083886" y="2105392"/>
+            <a:ext cx="5480759" cy="2359267"/>
+          </a:xfrm>
+          <a:prstGeom prst="rect">
+            <a:avLst/>
+          </a:prstGeom>
+          <a:noFill/>
+          <a:extLst>
+            <a:ext uri="{909E8E84-426E-40DD-AFC4-6F175D3DCCD1}">
+              <a14:hiddenFill xmlns:a14="http://schemas.microsoft.com/office/drawing/2010/main">
+                <a:solidFill>
+                  <a:srgbClr val="FFFFFF"/>
+                </a:solidFill>
+              </a14:hiddenFill>
+            </a:ext>
+          </a:extLst>
+        </p:spPr>
+      </p:pic>
+      <p:pic>
+        <p:nvPicPr>
+          <p:cNvPr id="1028" name="Picture 4">
+            <a:extLst>
+              <a:ext uri="{FF2B5EF4-FFF2-40B4-BE49-F238E27FC236}">
+                <a16:creationId xmlns:a16="http://schemas.microsoft.com/office/drawing/2014/main" id="{2556C607-A1CE-4D26-B0EE-A49EFDD1A592}"/>
+              </a:ext>
+            </a:extLst>
+          </p:cNvPr>
+          <p:cNvPicPr>
+            <a:picLocks noChangeAspect="1" noChangeArrowheads="1"/>
+          </p:cNvPicPr>
+          <p:nvPr/>
+        </p:nvPicPr>
+        <p:blipFill>
+          <a:blip r:embed="rId5">
+            <a:extLst>
+              <a:ext uri="{28A0092B-C50C-407E-A947-70E740481C1C}">
+                <a14:useLocalDpi xmlns:a14="http://schemas.microsoft.com/office/drawing/2010/main" val="0"/>
+              </a:ext>
+            </a:extLst>
+          </a:blip>
+          <a:srcRect/>
+          <a:stretch>
+            <a:fillRect/>
+          </a:stretch>
+        </p:blipFill>
+        <p:spPr bwMode="auto">
+          <a:xfrm>
+            <a:off x="6850232" y="4854302"/>
+            <a:ext cx="3948065" cy="1264192"/>
+          </a:xfrm>
+          <a:prstGeom prst="rect">
+            <a:avLst/>
+          </a:prstGeom>
+          <a:noFill/>
+          <a:extLst>
+            <a:ext uri="{909E8E84-426E-40DD-AFC4-6F175D3DCCD1}">
+              <a14:hiddenFill xmlns:a14="http://schemas.microsoft.com/office/drawing/2010/main">
+                <a:solidFill>
+                  <a:srgbClr val="FFFFFF"/>
+                </a:solidFill>
+              </a14:hiddenFill>
+            </a:ext>
+          </a:extLst>
+        </p:spPr>
+      </p:pic>
     </p:spTree>
     <p:extLst>
       <p:ext uri="{BB962C8B-B14F-4D97-AF65-F5344CB8AC3E}">
-        <p14:creationId xmlns:p14="http://schemas.microsoft.com/office/powerpoint/2010/main" val="2385565088"/>
+        <p14:creationId xmlns:p14="http://schemas.microsoft.com/office/powerpoint/2010/main" val="1688290360"/>
       </p:ext>
     </p:extLst>
   </p:cSld>
   <p:clrMapOvr>
-    <a:overrideClrMapping bg1="lt1" tx1="dk1" bg2="lt2" tx2="dk2" accent1="accent1" accent2="accent2" accent3="accent3" accent4="accent4" accent5="accent5" accent6="accent6" hlink="hlink" folHlink="folHlink"/>
+    <a:masterClrMapping/>
+  </p:clrMapOvr>
+</p:sld>
+</file>
+
+<file path=ppt/slides/slide9.xml><?xml version="1.0" encoding="utf-8"?>
+<p:sld xmlns:a="http://schemas.openxmlformats.org/drawingml/2006/main" xmlns:r="http://schemas.openxmlformats.org/officeDocument/2006/relationships" xmlns:p="http://schemas.openxmlformats.org/presentationml/2006/main">
+  <p:cSld>
+    <p:bg>
+      <p:bgPr>
+        <a:solidFill>
+          <a:schemeClr val="accent2">
+            <a:lumMod val="20000"/>
+            <a:lumOff val="80000"/>
+          </a:schemeClr>
+        </a:solidFill>
+        <a:effectLst/>
+      </p:bgPr>
+    </p:bg>
+    <p:spTree>
+      <p:nvGrpSpPr>
+        <p:cNvPr id="1" name=""/>
+        <p:cNvGrpSpPr/>
+        <p:nvPr/>
+      </p:nvGrpSpPr>
+      <p:grpSpPr>
+        <a:xfrm>
+          <a:off x="0" y="0"/>
+          <a:ext cx="0" cy="0"/>
+          <a:chOff x="0" y="0"/>
+          <a:chExt cx="0" cy="0"/>
+        </a:xfrm>
+      </p:grpSpPr>
+      <p:sp>
+        <p:nvSpPr>
+          <p:cNvPr id="2" name="Nadpis 1">
+            <a:extLst>
+              <a:ext uri="{FF2B5EF4-FFF2-40B4-BE49-F238E27FC236}">
+                <a16:creationId xmlns:a16="http://schemas.microsoft.com/office/drawing/2014/main" id="{7A3D77A8-C7B2-44E1-96F8-24E644374F98}"/>
+              </a:ext>
+            </a:extLst>
+          </p:cNvPr>
+          <p:cNvSpPr>
+            <a:spLocks noGrp="1"/>
+          </p:cNvSpPr>
+          <p:nvPr>
+            <p:ph type="title"/>
+          </p:nvPr>
+        </p:nvSpPr>
+        <p:spPr>
+          <a:xfrm>
+            <a:off x="627355" y="297402"/>
+            <a:ext cx="10937290" cy="786251"/>
+          </a:xfrm>
+          <a:solidFill>
+            <a:srgbClr val="FFFFFF"/>
+          </a:solidFill>
+          <a:ln w="38100" cap="sq">
+            <a:solidFill>
+              <a:srgbClr val="404040"/>
+            </a:solidFill>
+            <a:miter lim="800000"/>
+          </a:ln>
+        </p:spPr>
+        <p:txBody>
+          <a:bodyPr vert="horz" lIns="274320" tIns="182880" rIns="274320" bIns="182880" rtlCol="0" anchor="ctr" anchorCtr="1">
+            <a:normAutofit/>
+          </a:bodyPr>
+          <a:lstStyle/>
+          <a:p>
+            <a:r>
+              <a:rPr lang="sk-SK" dirty="0">
+                <a:solidFill>
+                  <a:srgbClr val="262626"/>
+                </a:solidFill>
+                <a:latin typeface="+mj-lt"/>
+                <a:ea typeface="+mj-ea"/>
+                <a:cs typeface="+mj-cs"/>
+              </a:rPr>
+              <a:t>Testovanie neurónovej siete</a:t>
+            </a:r>
+          </a:p>
+        </p:txBody>
+      </p:sp>
+      <p:sp>
+        <p:nvSpPr>
+          <p:cNvPr id="3" name="BlokTextu 2">
+            <a:extLst>
+              <a:ext uri="{FF2B5EF4-FFF2-40B4-BE49-F238E27FC236}">
+                <a16:creationId xmlns:a16="http://schemas.microsoft.com/office/drawing/2014/main" id="{66918C49-22C9-4E9E-B98E-9368F14799B6}"/>
+              </a:ext>
+            </a:extLst>
+          </p:cNvPr>
+          <p:cNvSpPr txBox="1"/>
+          <p:nvPr/>
+        </p:nvSpPr>
+        <p:spPr>
+          <a:xfrm>
+            <a:off x="2238213" y="5503783"/>
+            <a:ext cx="7715574" cy="1354217"/>
+          </a:xfrm>
+          <a:prstGeom prst="rect">
+            <a:avLst/>
+          </a:prstGeom>
+          <a:noFill/>
+        </p:spPr>
+        <p:txBody>
+          <a:bodyPr wrap="none" rtlCol="0">
+            <a:spAutoFit/>
+          </a:bodyPr>
+          <a:lstStyle/>
+          <a:p>
+            <a:r>
+              <a:rPr lang="sk-SK" sz="1600" b="1" i="0" dirty="0" err="1">
+                <a:solidFill>
+                  <a:srgbClr val="000000"/>
+                </a:solidFill>
+                <a:effectLst/>
+                <a:latin typeface="Helvetica Neue"/>
+              </a:rPr>
+              <a:t>sgd</a:t>
+            </a:r>
+            <a:r>
+              <a:rPr lang="sk-SK" sz="1600" b="1" i="0" dirty="0">
+                <a:solidFill>
+                  <a:srgbClr val="000000"/>
+                </a:solidFill>
+                <a:effectLst/>
+                <a:latin typeface="Helvetica Neue"/>
+              </a:rPr>
+              <a:t>:</a:t>
+            </a:r>
+            <a:r>
+              <a:rPr lang="sk-SK" sz="1600" b="0" i="0" dirty="0">
+                <a:solidFill>
+                  <a:srgbClr val="000000"/>
+                </a:solidFill>
+                <a:effectLst/>
+                <a:latin typeface="Helvetica Neue"/>
+              </a:rPr>
+              <a:t> </a:t>
+            </a:r>
+            <a:r>
+              <a:rPr lang="sk-SK" sz="1600" b="0" i="0" dirty="0" err="1">
+                <a:solidFill>
+                  <a:srgbClr val="000000"/>
+                </a:solidFill>
+                <a:effectLst/>
+                <a:latin typeface="Helvetica Neue"/>
+              </a:rPr>
+              <a:t>loss</a:t>
+            </a:r>
+            <a:r>
+              <a:rPr lang="sk-SK" sz="1600" b="0" i="0" dirty="0">
+                <a:solidFill>
+                  <a:srgbClr val="000000"/>
+                </a:solidFill>
+                <a:effectLst/>
+                <a:latin typeface="Helvetica Neue"/>
+              </a:rPr>
+              <a:t>: 0.2033 - </a:t>
+            </a:r>
+            <a:r>
+              <a:rPr lang="sk-SK" sz="1600" b="0" i="0" dirty="0" err="1">
+                <a:solidFill>
+                  <a:srgbClr val="000000"/>
+                </a:solidFill>
+                <a:effectLst/>
+                <a:latin typeface="Helvetica Neue"/>
+              </a:rPr>
+              <a:t>accuracy</a:t>
+            </a:r>
+            <a:r>
+              <a:rPr lang="sk-SK" sz="1600" b="0" i="0" dirty="0">
+                <a:solidFill>
+                  <a:srgbClr val="000000"/>
+                </a:solidFill>
+                <a:effectLst/>
+                <a:latin typeface="Helvetica Neue"/>
+              </a:rPr>
+              <a:t>: 0.9085 - </a:t>
+            </a:r>
+            <a:r>
+              <a:rPr lang="sk-SK" sz="1600" b="0" i="0" dirty="0" err="1">
+                <a:solidFill>
+                  <a:srgbClr val="000000"/>
+                </a:solidFill>
+                <a:effectLst/>
+                <a:latin typeface="Helvetica Neue"/>
+              </a:rPr>
+              <a:t>val_loss</a:t>
+            </a:r>
+            <a:r>
+              <a:rPr lang="sk-SK" sz="1600" b="0" i="0" dirty="0">
+                <a:solidFill>
+                  <a:srgbClr val="000000"/>
+                </a:solidFill>
+                <a:effectLst/>
+                <a:latin typeface="Helvetica Neue"/>
+              </a:rPr>
+              <a:t>: 0.2305 - </a:t>
+            </a:r>
+            <a:r>
+              <a:rPr lang="sk-SK" sz="1600" b="0" i="0" dirty="0" err="1">
+                <a:solidFill>
+                  <a:srgbClr val="000000"/>
+                </a:solidFill>
+                <a:effectLst/>
+                <a:latin typeface="Helvetica Neue"/>
+              </a:rPr>
+              <a:t>val_accuracy</a:t>
+            </a:r>
+            <a:r>
+              <a:rPr lang="sk-SK" sz="1600" b="0" i="0" dirty="0">
+                <a:solidFill>
+                  <a:srgbClr val="000000"/>
+                </a:solidFill>
+                <a:effectLst/>
+                <a:latin typeface="Helvetica Neue"/>
+              </a:rPr>
+              <a:t>: 0.9249</a:t>
+            </a:r>
+          </a:p>
+          <a:p>
+            <a:r>
+              <a:rPr lang="sk-SK" sz="1600" b="1" i="0" dirty="0" err="1">
+                <a:solidFill>
+                  <a:srgbClr val="000000"/>
+                </a:solidFill>
+                <a:effectLst/>
+                <a:latin typeface="Helvetica Neue"/>
+              </a:rPr>
+              <a:t>adam</a:t>
+            </a:r>
+            <a:r>
+              <a:rPr lang="sk-SK" sz="1600" b="1" i="0" dirty="0">
+                <a:solidFill>
+                  <a:srgbClr val="000000"/>
+                </a:solidFill>
+                <a:effectLst/>
+                <a:latin typeface="Helvetica Neue"/>
+              </a:rPr>
+              <a:t>:</a:t>
+            </a:r>
+            <a:r>
+              <a:rPr lang="sk-SK" sz="1600" b="0" i="0" dirty="0">
+                <a:solidFill>
+                  <a:srgbClr val="000000"/>
+                </a:solidFill>
+                <a:effectLst/>
+                <a:latin typeface="Helvetica Neue"/>
+              </a:rPr>
+              <a:t> </a:t>
+            </a:r>
+            <a:r>
+              <a:rPr lang="sk-SK" sz="1600" b="0" i="0" dirty="0" err="1">
+                <a:solidFill>
+                  <a:srgbClr val="000000"/>
+                </a:solidFill>
+                <a:effectLst/>
+                <a:latin typeface="Helvetica Neue"/>
+              </a:rPr>
+              <a:t>loss</a:t>
+            </a:r>
+            <a:r>
+              <a:rPr lang="sk-SK" sz="1600" b="0" i="0" dirty="0">
+                <a:solidFill>
+                  <a:srgbClr val="000000"/>
+                </a:solidFill>
+                <a:effectLst/>
+                <a:latin typeface="Helvetica Neue"/>
+              </a:rPr>
+              <a:t>: 0.1183 - </a:t>
+            </a:r>
+            <a:r>
+              <a:rPr lang="sk-SK" sz="1600" b="0" i="0" dirty="0" err="1">
+                <a:solidFill>
+                  <a:srgbClr val="000000"/>
+                </a:solidFill>
+                <a:effectLst/>
+                <a:latin typeface="Helvetica Neue"/>
+              </a:rPr>
+              <a:t>accuracy</a:t>
+            </a:r>
+            <a:r>
+              <a:rPr lang="sk-SK" sz="1600" b="0" i="0" dirty="0">
+                <a:solidFill>
+                  <a:srgbClr val="000000"/>
+                </a:solidFill>
+                <a:effectLst/>
+                <a:latin typeface="Helvetica Neue"/>
+              </a:rPr>
+              <a:t>: 0.9448 - </a:t>
+            </a:r>
+            <a:r>
+              <a:rPr lang="sk-SK" sz="1600" b="0" i="0" dirty="0" err="1">
+                <a:solidFill>
+                  <a:srgbClr val="000000"/>
+                </a:solidFill>
+                <a:effectLst/>
+                <a:latin typeface="Helvetica Neue"/>
+              </a:rPr>
+              <a:t>val_loss</a:t>
+            </a:r>
+            <a:r>
+              <a:rPr lang="sk-SK" sz="1600" b="0" i="0" dirty="0">
+                <a:solidFill>
+                  <a:srgbClr val="000000"/>
+                </a:solidFill>
+                <a:effectLst/>
+                <a:latin typeface="Helvetica Neue"/>
+              </a:rPr>
+              <a:t>: 0.2545 - </a:t>
+            </a:r>
+            <a:r>
+              <a:rPr lang="sk-SK" sz="1600" b="0" i="0" dirty="0" err="1">
+                <a:solidFill>
+                  <a:srgbClr val="000000"/>
+                </a:solidFill>
+                <a:effectLst/>
+                <a:latin typeface="Helvetica Neue"/>
+              </a:rPr>
+              <a:t>val_accuracy</a:t>
+            </a:r>
+            <a:r>
+              <a:rPr lang="sk-SK" sz="1600" b="0" i="0" dirty="0">
+                <a:solidFill>
+                  <a:srgbClr val="000000"/>
+                </a:solidFill>
+                <a:effectLst/>
+                <a:latin typeface="Helvetica Neue"/>
+              </a:rPr>
+              <a:t>: </a:t>
+            </a:r>
+            <a:r>
+              <a:rPr lang="sk-SK" sz="1600" b="1" i="0" dirty="0">
+                <a:solidFill>
+                  <a:srgbClr val="00B050"/>
+                </a:solidFill>
+                <a:effectLst/>
+                <a:latin typeface="Helvetica Neue"/>
+              </a:rPr>
+              <a:t>0.9343</a:t>
+            </a:r>
+          </a:p>
+          <a:p>
+            <a:r>
+              <a:rPr lang="sk-SK" sz="1600" b="1" i="0" dirty="0" err="1">
+                <a:solidFill>
+                  <a:srgbClr val="000000"/>
+                </a:solidFill>
+                <a:effectLst/>
+                <a:latin typeface="Helvetica Neue"/>
+              </a:rPr>
+              <a:t>adamax</a:t>
+            </a:r>
+            <a:r>
+              <a:rPr lang="sk-SK" sz="1600" b="1" i="0" dirty="0">
+                <a:solidFill>
+                  <a:srgbClr val="000000"/>
+                </a:solidFill>
+                <a:effectLst/>
+                <a:latin typeface="Helvetica Neue"/>
+              </a:rPr>
+              <a:t>:</a:t>
+            </a:r>
+            <a:r>
+              <a:rPr lang="sk-SK" sz="1600" b="0" i="0" dirty="0">
+                <a:solidFill>
+                  <a:srgbClr val="000000"/>
+                </a:solidFill>
+                <a:effectLst/>
+                <a:latin typeface="Helvetica Neue"/>
+              </a:rPr>
+              <a:t> </a:t>
+            </a:r>
+            <a:r>
+              <a:rPr lang="sk-SK" sz="1600" b="0" i="0" dirty="0" err="1">
+                <a:solidFill>
+                  <a:srgbClr val="000000"/>
+                </a:solidFill>
+                <a:effectLst/>
+                <a:latin typeface="Helvetica Neue"/>
+              </a:rPr>
+              <a:t>loss</a:t>
+            </a:r>
+            <a:r>
+              <a:rPr lang="sk-SK" sz="1600" b="0" i="0" dirty="0">
+                <a:solidFill>
+                  <a:srgbClr val="000000"/>
+                </a:solidFill>
+                <a:effectLst/>
+                <a:latin typeface="Helvetica Neue"/>
+              </a:rPr>
+              <a:t>: 0.1520 - </a:t>
+            </a:r>
+            <a:r>
+              <a:rPr lang="sk-SK" sz="1600" b="0" i="0" dirty="0" err="1">
+                <a:solidFill>
+                  <a:srgbClr val="000000"/>
+                </a:solidFill>
+                <a:effectLst/>
+                <a:latin typeface="Helvetica Neue"/>
+              </a:rPr>
+              <a:t>accuracy</a:t>
+            </a:r>
+            <a:r>
+              <a:rPr lang="sk-SK" sz="1600" b="0" i="0" dirty="0">
+                <a:solidFill>
+                  <a:srgbClr val="000000"/>
+                </a:solidFill>
+                <a:effectLst/>
+                <a:latin typeface="Helvetica Neue"/>
+              </a:rPr>
+              <a:t>: 0.9343 - </a:t>
+            </a:r>
+            <a:r>
+              <a:rPr lang="sk-SK" sz="1600" b="0" i="0" dirty="0" err="1">
+                <a:solidFill>
+                  <a:srgbClr val="000000"/>
+                </a:solidFill>
+                <a:effectLst/>
+                <a:latin typeface="Helvetica Neue"/>
+              </a:rPr>
+              <a:t>val_loss</a:t>
+            </a:r>
+            <a:r>
+              <a:rPr lang="sk-SK" sz="1600" b="0" i="0" dirty="0">
+                <a:solidFill>
+                  <a:srgbClr val="000000"/>
+                </a:solidFill>
+                <a:effectLst/>
+                <a:latin typeface="Helvetica Neue"/>
+              </a:rPr>
+              <a:t>: 0.2287 - </a:t>
+            </a:r>
+            <a:r>
+              <a:rPr lang="sk-SK" sz="1600" b="0" i="0" dirty="0" err="1">
+                <a:solidFill>
+                  <a:srgbClr val="000000"/>
+                </a:solidFill>
+                <a:effectLst/>
+                <a:latin typeface="Helvetica Neue"/>
+              </a:rPr>
+              <a:t>val_accuracy</a:t>
+            </a:r>
+            <a:r>
+              <a:rPr lang="sk-SK" sz="1600" b="0" i="0" dirty="0">
+                <a:solidFill>
+                  <a:srgbClr val="000000"/>
+                </a:solidFill>
+                <a:effectLst/>
+                <a:latin typeface="Helvetica Neue"/>
+              </a:rPr>
+              <a:t>: 0.9296</a:t>
+            </a:r>
+          </a:p>
+          <a:p>
+            <a:r>
+              <a:rPr lang="sk-SK" sz="1600" b="1" i="0" dirty="0" err="1">
+                <a:solidFill>
+                  <a:srgbClr val="000000"/>
+                </a:solidFill>
+                <a:effectLst/>
+                <a:latin typeface="Helvetica Neue"/>
+              </a:rPr>
+              <a:t>nadam</a:t>
+            </a:r>
+            <a:r>
+              <a:rPr lang="sk-SK" sz="1600" b="1" i="0" dirty="0">
+                <a:solidFill>
+                  <a:srgbClr val="000000"/>
+                </a:solidFill>
+                <a:effectLst/>
+                <a:latin typeface="Helvetica Neue"/>
+              </a:rPr>
+              <a:t>:</a:t>
+            </a:r>
+            <a:r>
+              <a:rPr lang="sk-SK" sz="1600" b="0" i="0" dirty="0">
+                <a:solidFill>
+                  <a:srgbClr val="000000"/>
+                </a:solidFill>
+                <a:effectLst/>
+                <a:latin typeface="Helvetica Neue"/>
+              </a:rPr>
+              <a:t> </a:t>
+            </a:r>
+            <a:r>
+              <a:rPr lang="sk-SK" sz="1600" b="0" i="0" dirty="0" err="1">
+                <a:solidFill>
+                  <a:srgbClr val="000000"/>
+                </a:solidFill>
+                <a:effectLst/>
+                <a:latin typeface="Helvetica Neue"/>
+              </a:rPr>
+              <a:t>loss</a:t>
+            </a:r>
+            <a:r>
+              <a:rPr lang="sk-SK" sz="1600" b="0" i="0" dirty="0">
+                <a:solidFill>
+                  <a:srgbClr val="000000"/>
+                </a:solidFill>
+                <a:effectLst/>
+                <a:latin typeface="Helvetica Neue"/>
+              </a:rPr>
+              <a:t>: 0.1166 - </a:t>
+            </a:r>
+            <a:r>
+              <a:rPr lang="sk-SK" sz="1600" b="0" i="0" dirty="0" err="1">
+                <a:solidFill>
+                  <a:srgbClr val="000000"/>
+                </a:solidFill>
+                <a:effectLst/>
+                <a:latin typeface="Helvetica Neue"/>
+              </a:rPr>
+              <a:t>accuracy</a:t>
+            </a:r>
+            <a:r>
+              <a:rPr lang="sk-SK" sz="1600" b="0" i="0" dirty="0">
+                <a:solidFill>
+                  <a:srgbClr val="000000"/>
+                </a:solidFill>
+                <a:effectLst/>
+                <a:latin typeface="Helvetica Neue"/>
+              </a:rPr>
+              <a:t>: 0.9488 - </a:t>
+            </a:r>
+            <a:r>
+              <a:rPr lang="sk-SK" sz="1600" b="0" i="0" dirty="0" err="1">
+                <a:solidFill>
+                  <a:srgbClr val="000000"/>
+                </a:solidFill>
+                <a:effectLst/>
+                <a:latin typeface="Helvetica Neue"/>
+              </a:rPr>
+              <a:t>val_loss</a:t>
+            </a:r>
+            <a:r>
+              <a:rPr lang="sk-SK" sz="1600" b="0" i="0" dirty="0">
+                <a:solidFill>
+                  <a:srgbClr val="000000"/>
+                </a:solidFill>
+                <a:effectLst/>
+                <a:latin typeface="Helvetica Neue"/>
+              </a:rPr>
+              <a:t>: 0.2469 - </a:t>
+            </a:r>
+            <a:r>
+              <a:rPr lang="sk-SK" sz="1600" b="0" i="0" dirty="0" err="1">
+                <a:solidFill>
+                  <a:srgbClr val="000000"/>
+                </a:solidFill>
+                <a:effectLst/>
+                <a:latin typeface="Helvetica Neue"/>
+              </a:rPr>
+              <a:t>val_accuracy</a:t>
+            </a:r>
+            <a:r>
+              <a:rPr lang="sk-SK" sz="1600" b="0" i="0" dirty="0">
+                <a:solidFill>
+                  <a:srgbClr val="000000"/>
+                </a:solidFill>
+                <a:effectLst/>
+                <a:latin typeface="Helvetica Neue"/>
+              </a:rPr>
+              <a:t>: </a:t>
+            </a:r>
+            <a:r>
+              <a:rPr lang="sk-SK" sz="1600" b="1" i="0" dirty="0">
+                <a:solidFill>
+                  <a:srgbClr val="FF0000"/>
+                </a:solidFill>
+                <a:effectLst/>
+                <a:latin typeface="Helvetica Neue"/>
+              </a:rPr>
+              <a:t>0.9061</a:t>
+            </a:r>
+          </a:p>
+          <a:p>
+            <a:endParaRPr lang="sk-SK" dirty="0"/>
+          </a:p>
+        </p:txBody>
+      </p:sp>
+      <p:pic>
+        <p:nvPicPr>
+          <p:cNvPr id="1026" name="Picture 2">
+            <a:extLst>
+              <a:ext uri="{FF2B5EF4-FFF2-40B4-BE49-F238E27FC236}">
+                <a16:creationId xmlns:a16="http://schemas.microsoft.com/office/drawing/2014/main" id="{9AC094C8-9700-4A5C-A34E-56FBDFE4F96C}"/>
+              </a:ext>
+            </a:extLst>
+          </p:cNvPr>
+          <p:cNvPicPr>
+            <a:picLocks noChangeAspect="1" noChangeArrowheads="1"/>
+          </p:cNvPicPr>
+          <p:nvPr/>
+        </p:nvPicPr>
+        <p:blipFill>
+          <a:blip r:embed="rId2">
+            <a:extLst>
+              <a:ext uri="{28A0092B-C50C-407E-A947-70E740481C1C}">
+                <a14:useLocalDpi xmlns:a14="http://schemas.microsoft.com/office/drawing/2010/main" val="0"/>
+              </a:ext>
+            </a:extLst>
+          </a:blip>
+          <a:srcRect/>
+          <a:stretch>
+            <a:fillRect/>
+          </a:stretch>
+        </p:blipFill>
+        <p:spPr bwMode="auto">
+          <a:xfrm>
+            <a:off x="627355" y="1191303"/>
+            <a:ext cx="5400000" cy="4204829"/>
+          </a:xfrm>
+          <a:prstGeom prst="rect">
+            <a:avLst/>
+          </a:prstGeom>
+          <a:noFill/>
+          <a:extLst>
+            <a:ext uri="{909E8E84-426E-40DD-AFC4-6F175D3DCCD1}">
+              <a14:hiddenFill xmlns:a14="http://schemas.microsoft.com/office/drawing/2010/main">
+                <a:solidFill>
+                  <a:srgbClr val="FFFFFF"/>
+                </a:solidFill>
+              </a14:hiddenFill>
+            </a:ext>
+          </a:extLst>
+        </p:spPr>
+      </p:pic>
+      <p:pic>
+        <p:nvPicPr>
+          <p:cNvPr id="1028" name="Picture 4">
+            <a:extLst>
+              <a:ext uri="{FF2B5EF4-FFF2-40B4-BE49-F238E27FC236}">
+                <a16:creationId xmlns:a16="http://schemas.microsoft.com/office/drawing/2014/main" id="{B8CC34C4-A82C-443F-8C14-BF415D406B32}"/>
+              </a:ext>
+            </a:extLst>
+          </p:cNvPr>
+          <p:cNvPicPr>
+            <a:picLocks noChangeAspect="1" noChangeArrowheads="1"/>
+          </p:cNvPicPr>
+          <p:nvPr/>
+        </p:nvPicPr>
+        <p:blipFill>
+          <a:blip r:embed="rId3">
+            <a:extLst>
+              <a:ext uri="{28A0092B-C50C-407E-A947-70E740481C1C}">
+                <a14:useLocalDpi xmlns:a14="http://schemas.microsoft.com/office/drawing/2010/main" val="0"/>
+              </a:ext>
+            </a:extLst>
+          </a:blip>
+          <a:srcRect/>
+          <a:stretch>
+            <a:fillRect/>
+          </a:stretch>
+        </p:blipFill>
+        <p:spPr bwMode="auto">
+          <a:xfrm>
+            <a:off x="6164647" y="1191303"/>
+            <a:ext cx="5400000" cy="4196386"/>
+          </a:xfrm>
+          <a:prstGeom prst="rect">
+            <a:avLst/>
+          </a:prstGeom>
+          <a:noFill/>
+          <a:extLst>
+            <a:ext uri="{909E8E84-426E-40DD-AFC4-6F175D3DCCD1}">
+              <a14:hiddenFill xmlns:a14="http://schemas.microsoft.com/office/drawing/2010/main">
+                <a:solidFill>
+                  <a:srgbClr val="FFFFFF"/>
+                </a:solidFill>
+              </a14:hiddenFill>
+            </a:ext>
+          </a:extLst>
+        </p:spPr>
+      </p:pic>
+    </p:spTree>
+    <p:extLst>
+      <p:ext uri="{BB962C8B-B14F-4D97-AF65-F5344CB8AC3E}">
+        <p14:creationId xmlns:p14="http://schemas.microsoft.com/office/powerpoint/2010/main" val="3751706962"/>
+      </p:ext>
+    </p:extLst>
+  </p:cSld>
+  <p:clrMapOvr>
+    <a:masterClrMapping/>
   </p:clrMapOvr>
 </p:sld>
 </file>

--- a/Klasifikácia zdravia ľudského plodu na základe údajov CTG.pptx
+++ b/Klasifikácia zdravia ľudského plodu na základe údajov CTG.pptx
@@ -14,9 +14,10 @@
     <p:sldId id="267" r:id="rId8"/>
     <p:sldId id="263" r:id="rId9"/>
     <p:sldId id="266" r:id="rId10"/>
-    <p:sldId id="264" r:id="rId11"/>
-    <p:sldId id="265" r:id="rId12"/>
-    <p:sldId id="258" r:id="rId13"/>
+    <p:sldId id="268" r:id="rId11"/>
+    <p:sldId id="264" r:id="rId12"/>
+    <p:sldId id="265" r:id="rId13"/>
+    <p:sldId id="258" r:id="rId14"/>
   </p:sldIdLst>
   <p:sldSz cx="12192000" cy="6858000"/>
   <p:notesSz cx="6858000" cy="9144000"/>
@@ -286,7 +287,7 @@
           <a:p>
             <a:fld id="{1160EA64-D806-43AC-9DF2-F8C432F32B4C}" type="datetimeFigureOut">
               <a:rPr lang="en-US" dirty="0"/>
-              <a:t>5/4/2021</a:t>
+              <a:t>5/5/2021</a:t>
             </a:fld>
             <a:endParaRPr lang="en-US" dirty="0"/>
           </a:p>
@@ -452,7 +453,7 @@
           <a:p>
             <a:fld id="{E9F9C37B-1D36-470B-8223-D6C91242EC14}" type="datetimeFigureOut">
               <a:rPr lang="en-US" dirty="0"/>
-              <a:t>5/4/2021</a:t>
+              <a:t>5/5/2021</a:t>
             </a:fld>
             <a:endParaRPr lang="en-US" dirty="0"/>
           </a:p>
@@ -627,7 +628,7 @@
           <a:p>
             <a:fld id="{67C6F52A-A82B-47A2-A83A-8C4C91F2D59F}" type="datetimeFigureOut">
               <a:rPr lang="en-US" dirty="0"/>
-              <a:t>5/4/2021</a:t>
+              <a:t>5/5/2021</a:t>
             </a:fld>
             <a:endParaRPr lang="en-US" dirty="0"/>
           </a:p>
@@ -792,7 +793,7 @@
           <a:p>
             <a:fld id="{F070A7B3-6521-4DCA-87E5-044747A908C1}" type="datetimeFigureOut">
               <a:rPr lang="en-US" dirty="0"/>
-              <a:t>5/4/2021</a:t>
+              <a:t>5/5/2021</a:t>
             </a:fld>
             <a:endParaRPr lang="en-US" dirty="0"/>
           </a:p>
@@ -1056,7 +1057,7 @@
           <a:p>
             <a:fld id="{1160EA64-D806-43AC-9DF2-F8C432F32B4C}" type="datetimeFigureOut">
               <a:rPr lang="en-US" dirty="0"/>
-              <a:t>5/4/2021</a:t>
+              <a:t>5/5/2021</a:t>
             </a:fld>
             <a:endParaRPr lang="en-US" dirty="0"/>
           </a:p>
@@ -1284,7 +1285,7 @@
           <a:p>
             <a:fld id="{AB134690-1557-4C89-A502-4959FE7FAD70}" type="datetimeFigureOut">
               <a:rPr lang="en-US" dirty="0"/>
-              <a:t>5/4/2021</a:t>
+              <a:t>5/5/2021</a:t>
             </a:fld>
             <a:endParaRPr lang="en-US" dirty="0"/>
           </a:p>
@@ -1634,7 +1635,7 @@
           <a:p>
             <a:fld id="{4F7D4976-E339-4826-83B7-FBD03F55ECF8}" type="datetimeFigureOut">
               <a:rPr lang="en-US" dirty="0"/>
-              <a:t>5/4/2021</a:t>
+              <a:t>5/5/2021</a:t>
             </a:fld>
             <a:endParaRPr lang="en-US" dirty="0"/>
           </a:p>
@@ -1770,7 +1771,7 @@
           <a:p>
             <a:fld id="{E1037C31-9E7A-4F99-8774-A0E530DE1A42}" type="datetimeFigureOut">
               <a:rPr lang="en-US" dirty="0"/>
-              <a:t>5/4/2021</a:t>
+              <a:t>5/5/2021</a:t>
             </a:fld>
             <a:endParaRPr lang="en-US" dirty="0"/>
           </a:p>
@@ -1860,7 +1861,7 @@
           <a:p>
             <a:fld id="{C278504F-A551-4DE0-9316-4DCD1D8CC752}" type="datetimeFigureOut">
               <a:rPr lang="en-US" dirty="0"/>
-              <a:t>5/4/2021</a:t>
+              <a:t>5/5/2021</a:t>
             </a:fld>
             <a:endParaRPr lang="en-US" dirty="0"/>
           </a:p>
@@ -2212,7 +2213,7 @@
           <a:p>
             <a:fld id="{1160EA64-D806-43AC-9DF2-F8C432F32B4C}" type="datetimeFigureOut">
               <a:rPr lang="en-US" dirty="0"/>
-              <a:t>5/4/2021</a:t>
+              <a:t>5/5/2021</a:t>
             </a:fld>
             <a:endParaRPr lang="en-US" dirty="0"/>
           </a:p>
@@ -2565,7 +2566,7 @@
             <a:fld id="{1160EA64-D806-43AC-9DF2-F8C432F32B4C}" type="datetimeFigureOut">
               <a:rPr lang="en-US" dirty="0"/>
               <a:pPr/>
-              <a:t>5/4/2021</a:t>
+              <a:t>5/5/2021</a:t>
             </a:fld>
             <a:endParaRPr lang="en-US" dirty="0"/>
           </a:p>
@@ -2801,7 +2802,7 @@
           <a:p>
             <a:fld id="{1160EA64-D806-43AC-9DF2-F8C432F32B4C}" type="datetimeFigureOut">
               <a:rPr lang="en-US" dirty="0"/>
-              <a:t>5/4/2021</a:t>
+              <a:t>5/5/2021</a:t>
             </a:fld>
             <a:endParaRPr lang="en-US" dirty="0"/>
           </a:p>
@@ -3482,7 +3483,7 @@
           <a:p>
             <a:r>
               <a:rPr lang="sk-SK" sz="2800" dirty="0"/>
-              <a:t>Klasifikácia zdravia ľudského plodu na základe údajov CTG</a:t>
+              <a:t>Klasifikácia zdravia ľudského plodu na základe údajov z CTG</a:t>
             </a:r>
           </a:p>
         </p:txBody>
@@ -3501,6 +3502,400 @@
 </file>
 
 <file path=ppt/slides/slide10.xml><?xml version="1.0" encoding="utf-8"?>
+<p:sld xmlns:a="http://schemas.openxmlformats.org/drawingml/2006/main" xmlns:r="http://schemas.openxmlformats.org/officeDocument/2006/relationships" xmlns:p="http://schemas.openxmlformats.org/presentationml/2006/main">
+  <p:cSld>
+    <p:bg>
+      <p:bgPr>
+        <a:solidFill>
+          <a:schemeClr val="accent2">
+            <a:lumMod val="20000"/>
+            <a:lumOff val="80000"/>
+          </a:schemeClr>
+        </a:solidFill>
+        <a:effectLst/>
+      </p:bgPr>
+    </p:bg>
+    <p:spTree>
+      <p:nvGrpSpPr>
+        <p:cNvPr id="1" name=""/>
+        <p:cNvGrpSpPr/>
+        <p:nvPr/>
+      </p:nvGrpSpPr>
+      <p:grpSpPr>
+        <a:xfrm>
+          <a:off x="0" y="0"/>
+          <a:ext cx="0" cy="0"/>
+          <a:chOff x="0" y="0"/>
+          <a:chExt cx="0" cy="0"/>
+        </a:xfrm>
+      </p:grpSpPr>
+      <p:sp>
+        <p:nvSpPr>
+          <p:cNvPr id="2" name="Nadpis 1">
+            <a:extLst>
+              <a:ext uri="{FF2B5EF4-FFF2-40B4-BE49-F238E27FC236}">
+                <a16:creationId xmlns:a16="http://schemas.microsoft.com/office/drawing/2014/main" id="{7A3D77A8-C7B2-44E1-96F8-24E644374F98}"/>
+              </a:ext>
+            </a:extLst>
+          </p:cNvPr>
+          <p:cNvSpPr>
+            <a:spLocks noGrp="1"/>
+          </p:cNvSpPr>
+          <p:nvPr>
+            <p:ph type="title"/>
+          </p:nvPr>
+        </p:nvSpPr>
+        <p:spPr>
+          <a:xfrm>
+            <a:off x="627355" y="297402"/>
+            <a:ext cx="10937290" cy="786251"/>
+          </a:xfrm>
+          <a:solidFill>
+            <a:srgbClr val="FFFFFF"/>
+          </a:solidFill>
+          <a:ln w="38100" cap="sq">
+            <a:solidFill>
+              <a:srgbClr val="404040"/>
+            </a:solidFill>
+            <a:miter lim="800000"/>
+          </a:ln>
+        </p:spPr>
+        <p:txBody>
+          <a:bodyPr vert="horz" lIns="274320" tIns="182880" rIns="274320" bIns="182880" rtlCol="0" anchor="ctr" anchorCtr="1">
+            <a:normAutofit/>
+          </a:bodyPr>
+          <a:lstStyle/>
+          <a:p>
+            <a:r>
+              <a:rPr lang="sk-SK" dirty="0">
+                <a:solidFill>
+                  <a:srgbClr val="262626"/>
+                </a:solidFill>
+                <a:latin typeface="+mj-lt"/>
+                <a:ea typeface="+mj-ea"/>
+                <a:cs typeface="+mj-cs"/>
+              </a:rPr>
+              <a:t>Testovanie neurónovej siete</a:t>
+            </a:r>
+          </a:p>
+        </p:txBody>
+      </p:sp>
+      <p:pic>
+        <p:nvPicPr>
+          <p:cNvPr id="5" name="Obrázok 4">
+            <a:extLst>
+              <a:ext uri="{FF2B5EF4-FFF2-40B4-BE49-F238E27FC236}">
+                <a16:creationId xmlns:a16="http://schemas.microsoft.com/office/drawing/2014/main" id="{8905B208-C05E-4A2D-AB1B-DF7583712E48}"/>
+              </a:ext>
+            </a:extLst>
+          </p:cNvPr>
+          <p:cNvPicPr>
+            <a:picLocks noChangeAspect="1"/>
+          </p:cNvPicPr>
+          <p:nvPr/>
+        </p:nvPicPr>
+        <p:blipFill>
+          <a:blip r:embed="rId2"/>
+          <a:stretch>
+            <a:fillRect/>
+          </a:stretch>
+        </p:blipFill>
+        <p:spPr>
+          <a:xfrm>
+            <a:off x="627355" y="1752046"/>
+            <a:ext cx="8891549" cy="2627929"/>
+          </a:xfrm>
+          <a:prstGeom prst="rect">
+            <a:avLst/>
+          </a:prstGeom>
+          <a:ln w="12700">
+            <a:solidFill>
+              <a:schemeClr val="tx1"/>
+            </a:solidFill>
+          </a:ln>
+          <a:effectLst>
+            <a:outerShdw blurRad="50800" dist="38100" dir="2700000" algn="tl" rotWithShape="0">
+              <a:prstClr val="black">
+                <a:alpha val="40000"/>
+              </a:prstClr>
+            </a:outerShdw>
+          </a:effectLst>
+        </p:spPr>
+      </p:pic>
+      <p:sp>
+        <p:nvSpPr>
+          <p:cNvPr id="6" name="Rectangle 1">
+            <a:extLst>
+              <a:ext uri="{FF2B5EF4-FFF2-40B4-BE49-F238E27FC236}">
+                <a16:creationId xmlns:a16="http://schemas.microsoft.com/office/drawing/2014/main" id="{72A75D7F-CBE7-49D9-A307-DD138ED09D1C}"/>
+              </a:ext>
+            </a:extLst>
+          </p:cNvPr>
+          <p:cNvSpPr>
+            <a:spLocks noChangeArrowheads="1"/>
+          </p:cNvSpPr>
+          <p:nvPr/>
+        </p:nvSpPr>
+        <p:spPr bwMode="auto">
+          <a:xfrm>
+            <a:off x="627354" y="5364468"/>
+            <a:ext cx="10937291" cy="540000"/>
+          </a:xfrm>
+          <a:prstGeom prst="rect">
+            <a:avLst/>
+          </a:prstGeom>
+          <a:solidFill>
+            <a:schemeClr val="bg1"/>
+          </a:solidFill>
+          <a:ln w="12700">
+            <a:solidFill>
+              <a:schemeClr val="tx1"/>
+            </a:solidFill>
+          </a:ln>
+          <a:effectLst>
+            <a:outerShdw blurRad="50800" dist="38100" dir="2700000" algn="tl" rotWithShape="0">
+              <a:prstClr val="black">
+                <a:alpha val="40000"/>
+              </a:prstClr>
+            </a:outerShdw>
+          </a:effectLst>
+        </p:spPr>
+        <p:txBody>
+          <a:bodyPr vert="horz" wrap="square" lIns="0" tIns="0" rIns="0" bIns="0" numCol="1" anchor="ctr" anchorCtr="0" compatLnSpc="1">
+            <a:prstTxWarp prst="textNoShape">
+              <a:avLst/>
+            </a:prstTxWarp>
+            <a:spAutoFit/>
+          </a:bodyPr>
+          <a:lstStyle/>
+          <a:p>
+            <a:pPr marL="0" marR="0" lvl="0" indent="0" algn="ctr" defTabSz="914400" rtl="0" eaLnBrk="0" fontAlgn="base" latinLnBrk="0" hangingPunct="0">
+              <a:lnSpc>
+                <a:spcPct val="100000"/>
+              </a:lnSpc>
+              <a:spcBef>
+                <a:spcPct val="0"/>
+              </a:spcBef>
+              <a:spcAft>
+                <a:spcPct val="0"/>
+              </a:spcAft>
+              <a:buClrTx/>
+              <a:buSzTx/>
+              <a:buFontTx/>
+              <a:buNone/>
+              <a:tabLst/>
+            </a:pPr>
+            <a:r>
+              <a:rPr kumimoji="0" lang="sk-SK" altLang="sk-SK" b="0" i="0" u="none" strike="noStrike" cap="none" normalizeH="0" baseline="0" dirty="0">
+                <a:ln>
+                  <a:noFill/>
+                </a:ln>
+                <a:solidFill>
+                  <a:srgbClr val="000000"/>
+                </a:solidFill>
+                <a:effectLst/>
+                <a:latin typeface="Courier New" panose="02070309020205020404" pitchFamily="49" charset="0"/>
+              </a:rPr>
+              <a:t>Presnosť modelu neurónovej siete: </a:t>
+            </a:r>
+            <a:r>
+              <a:rPr kumimoji="0" lang="sk-SK" altLang="sk-SK" b="1" i="0" u="none" strike="noStrike" cap="none" normalizeH="0" baseline="0" dirty="0">
+                <a:ln>
+                  <a:noFill/>
+                </a:ln>
+                <a:solidFill>
+                  <a:srgbClr val="000000"/>
+                </a:solidFill>
+                <a:effectLst/>
+                <a:latin typeface="Courier New" panose="02070309020205020404" pitchFamily="49" charset="0"/>
+              </a:rPr>
+              <a:t>93.42723004694837 %</a:t>
+            </a:r>
+            <a:r>
+              <a:rPr kumimoji="0" lang="sk-SK" altLang="sk-SK" b="0" i="0" u="none" strike="noStrike" cap="none" normalizeH="0" baseline="0" dirty="0">
+                <a:ln>
+                  <a:noFill/>
+                </a:ln>
+                <a:solidFill>
+                  <a:schemeClr val="tx1"/>
+                </a:solidFill>
+                <a:effectLst/>
+              </a:rPr>
+              <a:t> </a:t>
+            </a:r>
+            <a:endParaRPr kumimoji="0" lang="sk-SK" altLang="sk-SK" b="0" i="0" u="none" strike="noStrike" cap="none" normalizeH="0" baseline="0" dirty="0">
+              <a:ln>
+                <a:noFill/>
+              </a:ln>
+              <a:solidFill>
+                <a:schemeClr val="tx1"/>
+              </a:solidFill>
+              <a:effectLst/>
+              <a:latin typeface="Arial" panose="020B0604020202020204" pitchFamily="34" charset="0"/>
+            </a:endParaRPr>
+          </a:p>
+        </p:txBody>
+      </p:sp>
+      <p:sp>
+        <p:nvSpPr>
+          <p:cNvPr id="3" name="BlokTextu 2">
+            <a:extLst>
+              <a:ext uri="{FF2B5EF4-FFF2-40B4-BE49-F238E27FC236}">
+                <a16:creationId xmlns:a16="http://schemas.microsoft.com/office/drawing/2014/main" id="{D5327831-8A5C-4ACE-AA36-4AEE9BC4BFE5}"/>
+              </a:ext>
+            </a:extLst>
+          </p:cNvPr>
+          <p:cNvSpPr txBox="1"/>
+          <p:nvPr/>
+        </p:nvSpPr>
+        <p:spPr>
+          <a:xfrm>
+            <a:off x="9685605" y="1752046"/>
+            <a:ext cx="1879040" cy="432000"/>
+          </a:xfrm>
+          <a:prstGeom prst="rect">
+            <a:avLst/>
+          </a:prstGeom>
+          <a:solidFill>
+            <a:schemeClr val="bg1"/>
+          </a:solidFill>
+          <a:ln w="12700">
+            <a:solidFill>
+              <a:schemeClr val="tx1"/>
+            </a:solidFill>
+          </a:ln>
+          <a:effectLst>
+            <a:outerShdw blurRad="50800" dist="38100" dir="2700000" algn="tl" rotWithShape="0">
+              <a:prstClr val="black">
+                <a:alpha val="40000"/>
+              </a:prstClr>
+            </a:outerShdw>
+          </a:effectLst>
+        </p:spPr>
+        <p:txBody>
+          <a:bodyPr wrap="none" rtlCol="0">
+            <a:spAutoFit/>
+          </a:bodyPr>
+          <a:lstStyle/>
+          <a:p>
+            <a:pPr algn="ctr"/>
+            <a:r>
+              <a:rPr lang="sk-SK" sz="2000" dirty="0"/>
+              <a:t>[0.33, 0.47, 0.20]</a:t>
+            </a:r>
+          </a:p>
+        </p:txBody>
+      </p:sp>
+      <p:sp>
+        <p:nvSpPr>
+          <p:cNvPr id="7" name="Šípka: nadol 6">
+            <a:extLst>
+              <a:ext uri="{FF2B5EF4-FFF2-40B4-BE49-F238E27FC236}">
+                <a16:creationId xmlns:a16="http://schemas.microsoft.com/office/drawing/2014/main" id="{6E7D61C5-E6C2-4C8D-96A5-C1029458EB65}"/>
+              </a:ext>
+            </a:extLst>
+          </p:cNvPr>
+          <p:cNvSpPr/>
+          <p:nvPr/>
+        </p:nvSpPr>
+        <p:spPr>
+          <a:xfrm>
+            <a:off x="10268508" y="2350006"/>
+            <a:ext cx="713435" cy="1463041"/>
+          </a:xfrm>
+          <a:prstGeom prst="downArrow">
+            <a:avLst/>
+          </a:prstGeom>
+        </p:spPr>
+        <p:style>
+          <a:lnRef idx="2">
+            <a:schemeClr val="dk1">
+              <a:shade val="50000"/>
+            </a:schemeClr>
+          </a:lnRef>
+          <a:fillRef idx="1">
+            <a:schemeClr val="dk1"/>
+          </a:fillRef>
+          <a:effectRef idx="0">
+            <a:schemeClr val="dk1"/>
+          </a:effectRef>
+          <a:fontRef idx="minor">
+            <a:schemeClr val="lt1"/>
+          </a:fontRef>
+        </p:style>
+        <p:txBody>
+          <a:bodyPr rtlCol="0" anchor="ctr"/>
+          <a:lstStyle/>
+          <a:p>
+            <a:pPr algn="ctr"/>
+            <a:endParaRPr lang="sk-SK"/>
+          </a:p>
+        </p:txBody>
+      </p:sp>
+      <p:sp>
+        <p:nvSpPr>
+          <p:cNvPr id="8" name="BlokTextu 7">
+            <a:extLst>
+              <a:ext uri="{FF2B5EF4-FFF2-40B4-BE49-F238E27FC236}">
+                <a16:creationId xmlns:a16="http://schemas.microsoft.com/office/drawing/2014/main" id="{E7EAE585-F307-4DD2-ABC8-DCF5EAE00848}"/>
+              </a:ext>
+            </a:extLst>
+          </p:cNvPr>
+          <p:cNvSpPr txBox="1"/>
+          <p:nvPr/>
+        </p:nvSpPr>
+        <p:spPr>
+          <a:xfrm>
+            <a:off x="9685605" y="3979865"/>
+            <a:ext cx="1879040" cy="400110"/>
+          </a:xfrm>
+          <a:prstGeom prst="rect">
+            <a:avLst/>
+          </a:prstGeom>
+          <a:solidFill>
+            <a:schemeClr val="bg1"/>
+          </a:solidFill>
+          <a:ln w="12700">
+            <a:solidFill>
+              <a:schemeClr val="tx1"/>
+            </a:solidFill>
+          </a:ln>
+          <a:effectLst>
+            <a:outerShdw blurRad="50800" dist="38100" dir="2700000" algn="tl" rotWithShape="0">
+              <a:prstClr val="black">
+                <a:alpha val="40000"/>
+              </a:prstClr>
+            </a:outerShdw>
+          </a:effectLst>
+        </p:spPr>
+        <p:txBody>
+          <a:bodyPr wrap="square" rtlCol="0">
+            <a:spAutoFit/>
+          </a:bodyPr>
+          <a:lstStyle/>
+          <a:p>
+            <a:pPr algn="ctr"/>
+            <a:r>
+              <a:rPr lang="sk-SK" sz="2000" dirty="0"/>
+              <a:t>1</a:t>
+            </a:r>
+          </a:p>
+        </p:txBody>
+      </p:sp>
+    </p:spTree>
+    <p:extLst>
+      <p:ext uri="{BB962C8B-B14F-4D97-AF65-F5344CB8AC3E}">
+        <p14:creationId xmlns:p14="http://schemas.microsoft.com/office/powerpoint/2010/main" val="1427601926"/>
+      </p:ext>
+    </p:extLst>
+  </p:cSld>
+  <p:clrMapOvr>
+    <a:masterClrMapping/>
+  </p:clrMapOvr>
+</p:sld>
+</file>
+
+<file path=ppt/slides/slide11.xml><?xml version="1.0" encoding="utf-8"?>
 <p:sld xmlns:a="http://schemas.openxmlformats.org/drawingml/2006/main" xmlns:r="http://schemas.openxmlformats.org/officeDocument/2006/relationships" xmlns:p="http://schemas.openxmlformats.org/presentationml/2006/main">
   <p:cSld>
     <p:bg>
@@ -3554,13 +3949,50 @@
           <a:lstStyle/>
           <a:p>
             <a:r>
-              <a:rPr lang="en-US" sz="2600">
+              <a:rPr lang="en-US" sz="2600" dirty="0" err="1">
                 <a:solidFill>
                   <a:srgbClr val="262626"/>
                 </a:solidFill>
               </a:rPr>
-              <a:t>Testovanie neurónovej siete</a:t>
-            </a:r>
+              <a:t>Testovanie</a:t>
+            </a:r>
+            <a:r>
+              <a:rPr lang="en-US" sz="2600" dirty="0">
+                <a:solidFill>
+                  <a:srgbClr val="262626"/>
+                </a:solidFill>
+              </a:rPr>
+              <a:t> </a:t>
+            </a:r>
+            <a:r>
+              <a:rPr lang="en-US" sz="2600" dirty="0" err="1">
+                <a:solidFill>
+                  <a:srgbClr val="262626"/>
+                </a:solidFill>
+              </a:rPr>
+              <a:t>neurónovej</a:t>
+            </a:r>
+            <a:r>
+              <a:rPr lang="en-US" sz="2600" dirty="0">
+                <a:solidFill>
+                  <a:srgbClr val="262626"/>
+                </a:solidFill>
+              </a:rPr>
+              <a:t> </a:t>
+            </a:r>
+            <a:r>
+              <a:rPr lang="en-US" sz="2600" dirty="0" err="1">
+                <a:solidFill>
+                  <a:srgbClr val="262626"/>
+                </a:solidFill>
+              </a:rPr>
+              <a:t>siete</a:t>
+            </a:r>
+            <a:endParaRPr lang="en-US" sz="2600" dirty="0">
+              <a:solidFill>
+                <a:srgbClr val="262626"/>
+              </a:solidFill>
+            </a:endParaRPr>
           </a:p>
         </p:txBody>
       </p:sp>
@@ -3686,7 +4118,7 @@
 </p:sld>
 </file>
 
-<file path=ppt/slides/slide11.xml><?xml version="1.0" encoding="utf-8"?>
+<file path=ppt/slides/slide12.xml><?xml version="1.0" encoding="utf-8"?>
 <p:sld xmlns:a="http://schemas.openxmlformats.org/drawingml/2006/main" xmlns:r="http://schemas.openxmlformats.org/officeDocument/2006/relationships" xmlns:p="http://schemas.openxmlformats.org/presentationml/2006/main">
   <p:cSld>
     <p:bg>
@@ -3892,7 +4324,7 @@
 </p:sld>
 </file>
 
-<file path=ppt/slides/slide12.xml><?xml version="1.0" encoding="utf-8"?>
+<file path=ppt/slides/slide13.xml><?xml version="1.0" encoding="utf-8"?>
 <p:sld xmlns:a="http://schemas.openxmlformats.org/drawingml/2006/main" xmlns:r="http://schemas.openxmlformats.org/officeDocument/2006/relationships" xmlns:p="http://schemas.openxmlformats.org/presentationml/2006/main">
   <p:cSld>
     <p:bg>
@@ -4135,7 +4567,7 @@
         </p:blipFill>
         <p:spPr>
           <a:xfrm>
-            <a:off x="4762700" y="601549"/>
+            <a:off x="4762700" y="650231"/>
             <a:ext cx="7320893" cy="5234437"/>
           </a:xfrm>
           <a:prstGeom prst="rect">
@@ -4169,7 +4601,7 @@
         </p:nvSpPr>
         <p:spPr>
           <a:xfrm>
-            <a:off x="4762700" y="6026838"/>
+            <a:off x="4762698" y="6140501"/>
             <a:ext cx="7320893" cy="461665"/>
           </a:xfrm>
           <a:prstGeom prst="rect">
@@ -4226,6 +4658,51 @@
               </a:solidFill>
               <a:latin typeface="Courier New" panose="02070309020205020404" pitchFamily="49" charset="0"/>
             </a:endParaRPr>
+          </a:p>
+        </p:txBody>
+      </p:sp>
+      <p:sp>
+        <p:nvSpPr>
+          <p:cNvPr id="3" name="BlokTextu 2">
+            <a:extLst>
+              <a:ext uri="{FF2B5EF4-FFF2-40B4-BE49-F238E27FC236}">
+                <a16:creationId xmlns:a16="http://schemas.microsoft.com/office/drawing/2014/main" id="{065E1C26-415A-4317-8510-BBEFD0B320A3}"/>
+              </a:ext>
+            </a:extLst>
+          </p:cNvPr>
+          <p:cNvSpPr txBox="1"/>
+          <p:nvPr/>
+        </p:nvSpPr>
+        <p:spPr>
+          <a:xfrm>
+            <a:off x="6948221" y="94283"/>
+            <a:ext cx="2949846" cy="461665"/>
+          </a:xfrm>
+          <a:prstGeom prst="rect">
+            <a:avLst/>
+          </a:prstGeom>
+          <a:noFill/>
+        </p:spPr>
+        <p:txBody>
+          <a:bodyPr wrap="none" rtlCol="0">
+            <a:spAutoFit/>
+          </a:bodyPr>
+          <a:lstStyle/>
+          <a:p>
+            <a:r>
+              <a:rPr lang="sk-SK" sz="2400" dirty="0" err="1">
+                <a:latin typeface="Courier New" panose="02070309020205020404" pitchFamily="49" charset="0"/>
+                <a:cs typeface="Courier New" panose="02070309020205020404" pitchFamily="49" charset="0"/>
+              </a:rPr>
+              <a:t>data.describe</a:t>
+            </a:r>
+            <a:r>
+              <a:rPr lang="sk-SK" sz="2400" dirty="0">
+                <a:latin typeface="Courier New" panose="02070309020205020404" pitchFamily="49" charset="0"/>
+                <a:cs typeface="Courier New" panose="02070309020205020404" pitchFamily="49" charset="0"/>
+              </a:rPr>
+              <a:t>()</a:t>
+            </a:r>
           </a:p>
         </p:txBody>
       </p:sp>
@@ -5347,8 +5824,8 @@
         </p:blipFill>
         <p:spPr>
           <a:xfrm>
-            <a:off x="723900" y="4696657"/>
-            <a:ext cx="10744200" cy="838200"/>
+            <a:off x="627355" y="4434072"/>
+            <a:ext cx="10937289" cy="892530"/>
           </a:xfrm>
           <a:prstGeom prst="rect">
             <a:avLst/>
@@ -5447,6 +5924,211 @@
               <a:rPr lang="sk-SK" sz="2000" dirty="0"/>
               <a:t>výstupná vrstva: 3 neuróny</a:t>
             </a:r>
+          </a:p>
+        </p:txBody>
+      </p:sp>
+      <p:sp>
+        <p:nvSpPr>
+          <p:cNvPr id="6" name="Rectangle 2">
+            <a:extLst>
+              <a:ext uri="{FF2B5EF4-FFF2-40B4-BE49-F238E27FC236}">
+                <a16:creationId xmlns:a16="http://schemas.microsoft.com/office/drawing/2014/main" id="{4F42CC43-8A49-4419-A25B-28A2E02B27BB}"/>
+              </a:ext>
+            </a:extLst>
+          </p:cNvPr>
+          <p:cNvSpPr>
+            <a:spLocks noChangeArrowheads="1"/>
+          </p:cNvSpPr>
+          <p:nvPr/>
+        </p:nvSpPr>
+        <p:spPr bwMode="auto">
+          <a:xfrm>
+            <a:off x="627356" y="5758131"/>
+            <a:ext cx="10937288" cy="540000"/>
+          </a:xfrm>
+          <a:prstGeom prst="rect">
+            <a:avLst/>
+          </a:prstGeom>
+          <a:solidFill>
+            <a:schemeClr val="bg1"/>
+          </a:solidFill>
+          <a:ln w="12700">
+            <a:solidFill>
+              <a:schemeClr val="tx1"/>
+            </a:solidFill>
+          </a:ln>
+          <a:effectLst>
+            <a:outerShdw blurRad="50800" dist="38100" dir="2700000" algn="tl" rotWithShape="0">
+              <a:prstClr val="black">
+                <a:alpha val="40000"/>
+              </a:prstClr>
+            </a:outerShdw>
+          </a:effectLst>
+        </p:spPr>
+        <p:txBody>
+          <a:bodyPr vert="horz" wrap="square" lIns="0" tIns="0" rIns="0" bIns="0" numCol="1" anchor="ctr" anchorCtr="0" compatLnSpc="1">
+            <a:prstTxWarp prst="textNoShape">
+              <a:avLst/>
+            </a:prstTxWarp>
+            <a:spAutoFit/>
+          </a:bodyPr>
+          <a:lstStyle/>
+          <a:p>
+            <a:pPr marL="0" marR="0" lvl="0" indent="0" algn="ctr" defTabSz="914400" rtl="0" eaLnBrk="0" fontAlgn="base" latinLnBrk="0" hangingPunct="0">
+              <a:lnSpc>
+                <a:spcPct val="100000"/>
+              </a:lnSpc>
+              <a:spcBef>
+                <a:spcPct val="0"/>
+              </a:spcBef>
+              <a:spcAft>
+                <a:spcPct val="0"/>
+              </a:spcAft>
+              <a:buClrTx/>
+              <a:buSzTx/>
+              <a:buFontTx/>
+              <a:buNone/>
+              <a:tabLst/>
+            </a:pPr>
+            <a:r>
+              <a:rPr kumimoji="0" lang="sk-SK" altLang="sk-SK" sz="1600" b="0" i="0" u="none" strike="noStrike" cap="none" normalizeH="0" baseline="0" dirty="0">
+                <a:ln>
+                  <a:noFill/>
+                </a:ln>
+                <a:solidFill>
+                  <a:srgbClr val="000000"/>
+                </a:solidFill>
+                <a:effectLst/>
+                <a:latin typeface="Courier New" panose="02070309020205020404" pitchFamily="49" charset="0"/>
+              </a:rPr>
+              <a:t>Epoch 90/90 - </a:t>
+            </a:r>
+            <a:r>
+              <a:rPr kumimoji="0" lang="sk-SK" altLang="sk-SK" sz="1600" b="0" i="0" u="none" strike="noStrike" cap="none" normalizeH="0" baseline="0" dirty="0" err="1">
+                <a:ln>
+                  <a:noFill/>
+                </a:ln>
+                <a:solidFill>
+                  <a:srgbClr val="000000"/>
+                </a:solidFill>
+                <a:effectLst/>
+                <a:latin typeface="Courier New" panose="02070309020205020404" pitchFamily="49" charset="0"/>
+              </a:rPr>
+              <a:t>loss</a:t>
+            </a:r>
+            <a:r>
+              <a:rPr kumimoji="0" lang="sk-SK" altLang="sk-SK" sz="1600" b="0" i="0" u="none" strike="noStrike" cap="none" normalizeH="0" baseline="0" dirty="0">
+                <a:ln>
+                  <a:noFill/>
+                </a:ln>
+                <a:solidFill>
+                  <a:srgbClr val="000000"/>
+                </a:solidFill>
+                <a:effectLst/>
+                <a:latin typeface="Courier New" panose="02070309020205020404" pitchFamily="49" charset="0"/>
+              </a:rPr>
+              <a:t>: 0.1226 - </a:t>
+            </a:r>
+            <a:r>
+              <a:rPr kumimoji="0" lang="sk-SK" altLang="sk-SK" sz="1600" b="0" i="0" u="none" strike="noStrike" cap="none" normalizeH="0" baseline="0" dirty="0" err="1">
+                <a:ln>
+                  <a:noFill/>
+                </a:ln>
+                <a:solidFill>
+                  <a:srgbClr val="000000"/>
+                </a:solidFill>
+                <a:effectLst/>
+                <a:latin typeface="Courier New" panose="02070309020205020404" pitchFamily="49" charset="0"/>
+              </a:rPr>
+              <a:t>accuracy</a:t>
+            </a:r>
+            <a:r>
+              <a:rPr kumimoji="0" lang="sk-SK" altLang="sk-SK" sz="1600" b="0" i="0" u="none" strike="noStrike" cap="none" normalizeH="0" baseline="0" dirty="0">
+                <a:ln>
+                  <a:noFill/>
+                </a:ln>
+                <a:solidFill>
+                  <a:srgbClr val="000000"/>
+                </a:solidFill>
+                <a:effectLst/>
+                <a:latin typeface="Courier New" panose="02070309020205020404" pitchFamily="49" charset="0"/>
+              </a:rPr>
+              <a:t>: 0.9515 - </a:t>
+            </a:r>
+            <a:r>
+              <a:rPr kumimoji="0" lang="sk-SK" altLang="sk-SK" sz="1600" b="0" i="0" u="none" strike="noStrike" cap="none" normalizeH="0" baseline="0" dirty="0" err="1">
+                <a:ln>
+                  <a:noFill/>
+                </a:ln>
+                <a:solidFill>
+                  <a:srgbClr val="000000"/>
+                </a:solidFill>
+                <a:effectLst/>
+                <a:latin typeface="Courier New" panose="02070309020205020404" pitchFamily="49" charset="0"/>
+              </a:rPr>
+              <a:t>val_loss</a:t>
+            </a:r>
+            <a:r>
+              <a:rPr kumimoji="0" lang="sk-SK" altLang="sk-SK" sz="1600" b="0" i="0" u="none" strike="noStrike" cap="none" normalizeH="0" baseline="0" dirty="0">
+                <a:ln>
+                  <a:noFill/>
+                </a:ln>
+                <a:solidFill>
+                  <a:srgbClr val="000000"/>
+                </a:solidFill>
+                <a:effectLst/>
+                <a:latin typeface="Courier New" panose="02070309020205020404" pitchFamily="49" charset="0"/>
+              </a:rPr>
+              <a:t>: 0.2791 - </a:t>
+            </a:r>
+            <a:r>
+              <a:rPr kumimoji="0" lang="sk-SK" altLang="sk-SK" sz="1600" b="0" i="0" u="none" strike="noStrike" cap="none" normalizeH="0" baseline="0" dirty="0" err="1">
+                <a:ln>
+                  <a:noFill/>
+                </a:ln>
+                <a:solidFill>
+                  <a:srgbClr val="000000"/>
+                </a:solidFill>
+                <a:effectLst/>
+                <a:latin typeface="Courier New" panose="02070309020205020404" pitchFamily="49" charset="0"/>
+              </a:rPr>
+              <a:t>val_accuracy</a:t>
+            </a:r>
+            <a:r>
+              <a:rPr kumimoji="0" lang="sk-SK" altLang="sk-SK" sz="1600" b="0" i="0" u="none" strike="noStrike" cap="none" normalizeH="0" baseline="0" dirty="0">
+                <a:ln>
+                  <a:noFill/>
+                </a:ln>
+                <a:solidFill>
+                  <a:srgbClr val="000000"/>
+                </a:solidFill>
+                <a:effectLst/>
+                <a:latin typeface="Courier New" panose="02070309020205020404" pitchFamily="49" charset="0"/>
+              </a:rPr>
+              <a:t>: 0.9343</a:t>
+            </a:r>
+            <a:r>
+              <a:rPr kumimoji="0" lang="sk-SK" altLang="sk-SK" sz="1600" b="0" i="0" u="none" strike="noStrike" cap="none" normalizeH="0" baseline="0" dirty="0">
+                <a:ln>
+                  <a:noFill/>
+                </a:ln>
+                <a:solidFill>
+                  <a:schemeClr val="tx1"/>
+                </a:solidFill>
+                <a:effectLst/>
+              </a:rPr>
+              <a:t> </a:t>
+            </a:r>
+            <a:endParaRPr kumimoji="0" lang="sk-SK" altLang="sk-SK" sz="1600" b="0" i="0" u="none" strike="noStrike" cap="none" normalizeH="0" baseline="0" dirty="0">
+              <a:ln>
+                <a:noFill/>
+              </a:ln>
+              <a:solidFill>
+                <a:schemeClr val="tx1"/>
+              </a:solidFill>
+              <a:effectLst/>
+              <a:latin typeface="Arial" panose="020B0604020202020204" pitchFamily="34" charset="0"/>
+            </a:endParaRPr>
           </a:p>
         </p:txBody>
       </p:sp>
@@ -5517,56 +6199,19 @@
           <a:lstStyle/>
           <a:p>
             <a:r>
-              <a:rPr lang="sk-SK" sz="2200" dirty="0">
+              <a:rPr lang="en-US" sz="2600">
                 <a:solidFill>
                   <a:srgbClr val="262626"/>
                 </a:solidFill>
               </a:rPr>
-              <a:t>Vzhľad </a:t>
-            </a:r>
-            <a:r>
-              <a:rPr lang="en-US" sz="2200" dirty="0" err="1">
-                <a:solidFill>
-                  <a:srgbClr val="262626"/>
-                </a:solidFill>
-              </a:rPr>
-              <a:t>neurónov</a:t>
-            </a:r>
-            <a:r>
-              <a:rPr lang="sk-SK" sz="2200" dirty="0">
-                <a:solidFill>
-                  <a:srgbClr val="262626"/>
-                </a:solidFill>
-              </a:rPr>
-              <a:t>ej</a:t>
-            </a:r>
-            <a:r>
-              <a:rPr lang="en-US" sz="2200" dirty="0">
-                <a:solidFill>
-                  <a:srgbClr val="262626"/>
-                </a:solidFill>
-              </a:rPr>
-              <a:t> </a:t>
-            </a:r>
-            <a:r>
-              <a:rPr lang="sk-SK" sz="2200" dirty="0">
-                <a:solidFill>
-                  <a:srgbClr val="262626"/>
-                </a:solidFill>
-              </a:rPr>
-              <a:t>siete</a:t>
-            </a:r>
-            <a:endParaRPr lang="en-US" sz="2200" dirty="0">
-              <a:solidFill>
-                <a:srgbClr val="262626"/>
-              </a:solidFill>
-            </a:endParaRPr>
-          </a:p>
-        </p:txBody>
-      </p:sp>
-      <p:sp>
-        <p:nvSpPr>
-          <p:cNvPr id="9" name="Rectangle 8">
+              <a:t>Vzhľad neurónovej siete</a:t>
+            </a:r>
+          </a:p>
+        </p:txBody>
+      </p:sp>
+      <p:sp>
+        <p:nvSpPr>
+          <p:cNvPr id="21" name="Rectangle 13">
             <a:extLst>
               <a:ext uri="{FF2B5EF4-FFF2-40B4-BE49-F238E27FC236}">
                 <a16:creationId xmlns:a16="http://schemas.microsoft.com/office/drawing/2014/main" id="{ED6F0A31-5407-4EFA-9DFA-67E942682962}"/>
@@ -5629,10 +6274,10 @@
       </p:sp>
       <p:pic>
         <p:nvPicPr>
-          <p:cNvPr id="4" name="Obrázok 3">
+          <p:cNvPr id="5" name="Obrázok 4">
             <a:extLst>
               <a:ext uri="{FF2B5EF4-FFF2-40B4-BE49-F238E27FC236}">
-                <a16:creationId xmlns:a16="http://schemas.microsoft.com/office/drawing/2014/main" id="{78540267-3E3B-4CF8-8834-6D9C0EFF7248}"/>
+                <a16:creationId xmlns:a16="http://schemas.microsoft.com/office/drawing/2014/main" id="{15432421-4797-48A9-8BEA-24C98224FBC1}"/>
               </a:ext>
             </a:extLst>
           </p:cNvPr>
@@ -5649,8 +6294,8 @@
         </p:blipFill>
         <p:spPr>
           <a:xfrm>
-            <a:off x="5211147" y="606345"/>
-            <a:ext cx="6433402" cy="5645310"/>
+            <a:off x="5817107" y="0"/>
+            <a:ext cx="5212079" cy="6858000"/>
           </a:xfrm>
           <a:prstGeom prst="rect">
             <a:avLst/>
@@ -6240,7 +6885,7 @@
                 <a:ea typeface="+mj-ea"/>
                 <a:cs typeface="+mj-cs"/>
               </a:rPr>
-              <a:t>Testovanie neurónovej siete</a:t>
+              <a:t>Presnosť a chybovosť neurónovej siete</a:t>
             </a:r>
           </a:p>
         </p:txBody>
